--- a/ppt/chap-模型独立的学习方式.pptx
+++ b/ppt/chap-模型独立的学习方式.pptx
@@ -299,7 +299,7 @@
               <a:pPr>
                 <a:defRPr/>
               </a:pPr>
-              <a:t>11/12/2018</a:t>
+              <a:t>6/4/2019</a:t>
             </a:fld>
             <a:endParaRPr lang="en-US" altLang="zh-CN"/>
           </a:p>
@@ -2498,14 +2498,14 @@
           </a:ln>
           <a:extLst>
             <a:ext uri="{909E8E84-426E-40dd-AFC4-6F175D3DCCD1}">
-              <a14:hiddenFill xmlns:a14="http://schemas.microsoft.com/office/drawing/2010/main" xmlns="">
+              <a14:hiddenFill xmlns="" xmlns:a14="http://schemas.microsoft.com/office/drawing/2010/main">
                 <a:solidFill>
                   <a:srgbClr val="FFFFFF"/>
                 </a:solidFill>
               </a14:hiddenFill>
             </a:ext>
             <a:ext uri="{91240B29-F687-4f45-9708-019B960494DF}">
-              <a14:hiddenLine xmlns:a14="http://schemas.microsoft.com/office/drawing/2010/main" xmlns="" w="9525">
+              <a14:hiddenLine xmlns="" xmlns:a14="http://schemas.microsoft.com/office/drawing/2010/main" w="9525">
                 <a:solidFill>
                   <a:srgbClr val="000000"/>
                 </a:solidFill>
@@ -2556,14 +2556,14 @@
           </a:ln>
           <a:extLst>
             <a:ext uri="{909E8E84-426E-40dd-AFC4-6F175D3DCCD1}">
-              <a14:hiddenFill xmlns:a14="http://schemas.microsoft.com/office/drawing/2010/main" xmlns="">
+              <a14:hiddenFill xmlns="" xmlns:a14="http://schemas.microsoft.com/office/drawing/2010/main">
                 <a:solidFill>
                   <a:srgbClr val="FFFFFF"/>
                 </a:solidFill>
               </a14:hiddenFill>
             </a:ext>
             <a:ext uri="{91240B29-F687-4f45-9708-019B960494DF}">
-              <a14:hiddenLine xmlns:a14="http://schemas.microsoft.com/office/drawing/2010/main" xmlns="" w="9525">
+              <a14:hiddenLine xmlns="" xmlns:a14="http://schemas.microsoft.com/office/drawing/2010/main" w="9525">
                 <a:solidFill>
                   <a:srgbClr val="000000"/>
                 </a:solidFill>
@@ -2646,7 +2646,7 @@
           </a:ln>
           <a:extLst>
             <a:ext uri="{909E8E84-426E-40dd-AFC4-6F175D3DCCD1}">
-              <a14:hiddenFill xmlns:a14="http://schemas.microsoft.com/office/drawing/2010/main" xmlns="">
+              <a14:hiddenFill xmlns="" xmlns:a14="http://schemas.microsoft.com/office/drawing/2010/main">
                 <a:noFill/>
               </a14:hiddenFill>
             </a:ext>
@@ -2688,7 +2688,7 @@
           </a:ln>
           <a:extLst>
             <a:ext uri="{909E8E84-426E-40dd-AFC4-6F175D3DCCD1}">
-              <a14:hiddenFill xmlns:a14="http://schemas.microsoft.com/office/drawing/2010/main" xmlns="">
+              <a14:hiddenFill xmlns="" xmlns:a14="http://schemas.microsoft.com/office/drawing/2010/main">
                 <a:noFill/>
               </a14:hiddenFill>
             </a:ext>

--- a/ppt/chap-模型独立的学习方式.pptx
+++ b/ppt/chap-模型独立的学习方式.pptx
@@ -5,7 +5,7 @@
     <p:sldMasterId id="2147483756" r:id="rId1"/>
   </p:sldMasterIdLst>
   <p:notesMasterIdLst>
-    <p:notesMasterId r:id="rId17"/>
+    <p:notesMasterId r:id="rId18"/>
   </p:notesMasterIdLst>
   <p:sldIdLst>
     <p:sldId id="256" r:id="rId2"/>
@@ -20,11 +20,12 @@
     <p:sldId id="456" r:id="rId11"/>
     <p:sldId id="916" r:id="rId12"/>
     <p:sldId id="918" r:id="rId13"/>
-    <p:sldId id="919" r:id="rId14"/>
-    <p:sldId id="455" r:id="rId15"/>
-    <p:sldId id="447" r:id="rId16"/>
+    <p:sldId id="920" r:id="rId14"/>
+    <p:sldId id="919" r:id="rId15"/>
+    <p:sldId id="455" r:id="rId16"/>
+    <p:sldId id="447" r:id="rId17"/>
   </p:sldIdLst>
-  <p:sldSz cx="9144000" cy="6858000" type="screen4x3"/>
+  <p:sldSz cx="12192000" cy="6858000"/>
   <p:notesSz cx="6858000" cy="9144000"/>
   <p:defaultTextStyle>
     <a:defPPr>
@@ -168,6 +169,7 @@
             <p14:sldId id="456"/>
             <p14:sldId id="916"/>
             <p14:sldId id="918"/>
+            <p14:sldId id="920"/>
             <p14:sldId id="919"/>
             <p14:sldId id="455"/>
             <p14:sldId id="447"/>
@@ -182,7 +184,7 @@
             <a:srgbClr val="A4A3A4"/>
           </p15:clr>
         </p15:guide>
-        <p15:guide id="2" pos="2880" userDrawn="1">
+        <p15:guide id="2" pos="3840" userDrawn="1">
           <p15:clr>
             <a:srgbClr val="A4A3A4"/>
           </p15:clr>
@@ -299,7 +301,7 @@
               <a:pPr>
                 <a:defRPr/>
               </a:pPr>
-              <a:t>6/4/2019</a:t>
+              <a:t>11/14/2019</a:t>
             </a:fld>
             <a:endParaRPr lang="en-US" altLang="zh-CN"/>
           </a:p>
@@ -317,8 +319,8 @@
         </p:nvSpPr>
         <p:spPr>
           <a:xfrm>
-            <a:off x="1143000" y="685800"/>
-            <a:ext cx="4572000" cy="3429000"/>
+            <a:off x="381000" y="685800"/>
+            <a:ext cx="6096000" cy="3429000"/>
           </a:xfrm>
           <a:prstGeom prst="rect">
             <a:avLst/>
@@ -649,8 +651,8 @@
         </p:nvSpPr>
         <p:spPr>
           <a:xfrm>
-            <a:off x="1143000" y="685800"/>
-            <a:ext cx="4572000" cy="3429000"/>
+            <a:off x="381000" y="685800"/>
+            <a:ext cx="6096000" cy="3429000"/>
           </a:xfrm>
         </p:spPr>
       </p:sp>
@@ -740,8 +742,8 @@
         </p:nvSpPr>
         <p:spPr>
           <a:xfrm>
-            <a:off x="749300" y="2438402"/>
-            <a:ext cx="7315200" cy="1956197"/>
+            <a:off x="999067" y="2438403"/>
+            <a:ext cx="9753600" cy="1956197"/>
           </a:xfrm>
           <a:prstGeom prst="rect">
             <a:avLst/>
@@ -889,8 +891,8 @@
         </p:nvSpPr>
         <p:spPr>
           <a:xfrm>
-            <a:off x="228600" y="673895"/>
-            <a:ext cx="5410200" cy="719623"/>
+            <a:off x="304800" y="673896"/>
+            <a:ext cx="7213600" cy="719623"/>
           </a:xfrm>
           <a:prstGeom prst="rect">
             <a:avLst/>
@@ -1038,8 +1040,8 @@
         </p:nvSpPr>
         <p:spPr>
           <a:xfrm>
-            <a:off x="749300" y="2438402"/>
-            <a:ext cx="228600" cy="1956197"/>
+            <a:off x="999067" y="2438403"/>
+            <a:ext cx="304800" cy="1956197"/>
           </a:xfrm>
           <a:prstGeom prst="rect">
             <a:avLst/>
@@ -1187,8 +1189,8 @@
         </p:nvSpPr>
         <p:spPr>
           <a:xfrm>
-            <a:off x="269854" y="665099"/>
-            <a:ext cx="140865" cy="731230"/>
+            <a:off x="359806" y="665099"/>
+            <a:ext cx="187820" cy="731230"/>
           </a:xfrm>
           <a:prstGeom prst="rect">
             <a:avLst/>
@@ -1340,8 +1342,8 @@
         </p:nvSpPr>
         <p:spPr>
           <a:xfrm>
-            <a:off x="1063625" y="2676526"/>
-            <a:ext cx="6858000" cy="1514475"/>
+            <a:off x="1418167" y="2676527"/>
+            <a:ext cx="9144000" cy="1514475"/>
           </a:xfrm>
         </p:spPr>
         <p:txBody>
@@ -1374,8 +1376,8 @@
         </p:nvSpPr>
         <p:spPr>
           <a:xfrm>
-            <a:off x="422254" y="726666"/>
-            <a:ext cx="5140347" cy="568735"/>
+            <a:off x="563006" y="726666"/>
+            <a:ext cx="6853796" cy="568735"/>
           </a:xfrm>
         </p:spPr>
         <p:txBody>
@@ -1434,8 +1436,8 @@
         </p:nvSpPr>
         <p:spPr>
           <a:xfrm>
-            <a:off x="2209801" y="4800600"/>
-            <a:ext cx="5053013" cy="1600200"/>
+            <a:off x="2946402" y="4800600"/>
+            <a:ext cx="6737351" cy="1600200"/>
           </a:xfrm>
         </p:spPr>
         <p:txBody>
@@ -1499,8 +1501,8 @@
         </p:nvSpPr>
         <p:spPr>
           <a:xfrm>
-            <a:off x="749300" y="2438402"/>
-            <a:ext cx="7315200" cy="1956197"/>
+            <a:off x="999067" y="2438403"/>
+            <a:ext cx="9753600" cy="1956197"/>
           </a:xfrm>
           <a:prstGeom prst="rect">
             <a:avLst/>
@@ -1648,8 +1650,8 @@
         </p:nvSpPr>
         <p:spPr>
           <a:xfrm>
-            <a:off x="749300" y="2438402"/>
-            <a:ext cx="228600" cy="1956197"/>
+            <a:off x="999067" y="2438403"/>
+            <a:ext cx="304800" cy="1956197"/>
           </a:xfrm>
           <a:prstGeom prst="rect">
             <a:avLst/>
@@ -1801,8 +1803,8 @@
         </p:nvSpPr>
         <p:spPr>
           <a:xfrm>
-            <a:off x="1063625" y="2676526"/>
-            <a:ext cx="6858000" cy="1514475"/>
+            <a:off x="1418167" y="2676527"/>
+            <a:ext cx="9144000" cy="1514475"/>
           </a:xfrm>
         </p:spPr>
         <p:txBody>
@@ -1894,8 +1896,8 @@
         </p:nvSpPr>
         <p:spPr>
           <a:xfrm>
-            <a:off x="457200" y="1219200"/>
-            <a:ext cx="8229600" cy="4937760"/>
+            <a:off x="609600" y="1219200"/>
+            <a:ext cx="10972800" cy="4937760"/>
           </a:xfrm>
         </p:spPr>
         <p:txBody>
@@ -2071,8 +2073,8 @@
         </p:nvSpPr>
         <p:spPr>
           <a:xfrm>
-            <a:off x="457200" y="228600"/>
-            <a:ext cx="8229600" cy="914400"/>
+            <a:off x="609600" y="228600"/>
+            <a:ext cx="10972800" cy="914400"/>
           </a:xfrm>
         </p:spPr>
         <p:txBody>
@@ -2098,8 +2100,8 @@
         </p:nvSpPr>
         <p:spPr>
           <a:xfrm>
-            <a:off x="457200" y="1219200"/>
-            <a:ext cx="4041648" cy="4937760"/>
+            <a:off x="609600" y="1219200"/>
+            <a:ext cx="5388864" cy="4937760"/>
           </a:xfrm>
         </p:spPr>
         <p:txBody>
@@ -2154,8 +2156,8 @@
         </p:nvSpPr>
         <p:spPr>
           <a:xfrm>
-            <a:off x="4632198" y="1216152"/>
-            <a:ext cx="4041648" cy="4937760"/>
+            <a:off x="6176264" y="1216152"/>
+            <a:ext cx="5388864" cy="4937760"/>
           </a:xfrm>
         </p:spPr>
         <p:txBody>
@@ -2240,8 +2242,8 @@
         </p:nvSpPr>
         <p:spPr>
           <a:xfrm>
-            <a:off x="457200" y="228600"/>
-            <a:ext cx="8229600" cy="914400"/>
+            <a:off x="609600" y="228600"/>
+            <a:ext cx="10972800" cy="914400"/>
           </a:xfrm>
         </p:spPr>
         <p:txBody>
@@ -2267,8 +2269,8 @@
         </p:nvSpPr>
         <p:spPr>
           <a:xfrm>
-            <a:off x="457200" y="1219200"/>
-            <a:ext cx="4724400" cy="4937760"/>
+            <a:off x="609600" y="1219200"/>
+            <a:ext cx="6299200" cy="4937760"/>
           </a:xfrm>
         </p:spPr>
         <p:txBody>
@@ -2319,7 +2321,7 @@
         </p:nvCxnSpPr>
         <p:spPr>
           <a:xfrm>
-            <a:off x="5334000" y="1219200"/>
+            <a:off x="7112000" y="1219200"/>
             <a:ext cx="0" cy="4937760"/>
           </a:xfrm>
           <a:prstGeom prst="line">
@@ -2409,8 +2411,8 @@
         </p:nvSpPr>
         <p:spPr>
           <a:xfrm>
-            <a:off x="3657600" y="3048002"/>
-            <a:ext cx="2286000" cy="646331"/>
+            <a:off x="4876800" y="3048003"/>
+            <a:ext cx="3048000" cy="646331"/>
           </a:xfrm>
           <a:prstGeom prst="rect">
             <a:avLst/>
@@ -2486,8 +2488,8 @@
         </p:nvSpPr>
         <p:spPr bwMode="auto">
           <a:xfrm>
-            <a:off x="457200" y="152400"/>
-            <a:ext cx="8229600" cy="990600"/>
+            <a:off x="609600" y="152400"/>
+            <a:ext cx="10972800" cy="990600"/>
           </a:xfrm>
           <a:prstGeom prst="rect">
             <a:avLst/>
@@ -2498,14 +2500,14 @@
           </a:ln>
           <a:extLst>
             <a:ext uri="{909E8E84-426E-40dd-AFC4-6F175D3DCCD1}">
-              <a14:hiddenFill xmlns="" xmlns:a14="http://schemas.microsoft.com/office/drawing/2010/main">
+              <a14:hiddenFill xmlns:a14="http://schemas.microsoft.com/office/drawing/2010/main" xmlns="">
                 <a:solidFill>
                   <a:srgbClr val="FFFFFF"/>
                 </a:solidFill>
               </a14:hiddenFill>
             </a:ext>
             <a:ext uri="{91240B29-F687-4f45-9708-019B960494DF}">
-              <a14:hiddenLine xmlns="" xmlns:a14="http://schemas.microsoft.com/office/drawing/2010/main" w="9525">
+              <a14:hiddenLine xmlns:a14="http://schemas.microsoft.com/office/drawing/2010/main" xmlns="" w="9525">
                 <a:solidFill>
                   <a:srgbClr val="000000"/>
                 </a:solidFill>
@@ -2544,8 +2546,8 @@
         </p:nvSpPr>
         <p:spPr bwMode="auto">
           <a:xfrm>
-            <a:off x="457200" y="1219200"/>
-            <a:ext cx="8229600" cy="4910138"/>
+            <a:off x="609600" y="1219200"/>
+            <a:ext cx="10972800" cy="4910138"/>
           </a:xfrm>
           <a:prstGeom prst="rect">
             <a:avLst/>
@@ -2556,14 +2558,14 @@
           </a:ln>
           <a:extLst>
             <a:ext uri="{909E8E84-426E-40dd-AFC4-6F175D3DCCD1}">
-              <a14:hiddenFill xmlns="" xmlns:a14="http://schemas.microsoft.com/office/drawing/2010/main">
+              <a14:hiddenFill xmlns:a14="http://schemas.microsoft.com/office/drawing/2010/main" xmlns="">
                 <a:solidFill>
                   <a:srgbClr val="FFFFFF"/>
                 </a:solidFill>
               </a14:hiddenFill>
             </a:ext>
             <a:ext uri="{91240B29-F687-4f45-9708-019B960494DF}">
-              <a14:hiddenLine xmlns="" xmlns:a14="http://schemas.microsoft.com/office/drawing/2010/main" w="9525">
+              <a14:hiddenLine xmlns:a14="http://schemas.microsoft.com/office/drawing/2010/main" xmlns="" w="9525">
                 <a:solidFill>
                   <a:srgbClr val="000000"/>
                 </a:solidFill>
@@ -2628,8 +2630,8 @@
         </p:nvSpPr>
         <p:spPr bwMode="auto">
           <a:xfrm>
-            <a:off x="457200" y="1143000"/>
-            <a:ext cx="8229600" cy="0"/>
+            <a:off x="609600" y="1143000"/>
+            <a:ext cx="10972800" cy="0"/>
           </a:xfrm>
           <a:prstGeom prst="line">
             <a:avLst/>
@@ -2646,7 +2648,7 @@
           </a:ln>
           <a:extLst>
             <a:ext uri="{909E8E84-426E-40dd-AFC4-6F175D3DCCD1}">
-              <a14:hiddenFill xmlns="" xmlns:a14="http://schemas.microsoft.com/office/drawing/2010/main">
+              <a14:hiddenFill xmlns:a14="http://schemas.microsoft.com/office/drawing/2010/main" xmlns="">
                 <a:noFill/>
               </a14:hiddenFill>
             </a:ext>
@@ -2670,8 +2672,8 @@
         </p:nvSpPr>
         <p:spPr bwMode="auto">
           <a:xfrm>
-            <a:off x="457200" y="6353175"/>
-            <a:ext cx="8229600" cy="0"/>
+            <a:off x="609600" y="6353175"/>
+            <a:ext cx="10972800" cy="0"/>
           </a:xfrm>
           <a:prstGeom prst="line">
             <a:avLst/>
@@ -2688,7 +2690,7 @@
           </a:ln>
           <a:extLst>
             <a:ext uri="{909E8E84-426E-40dd-AFC4-6F175D3DCCD1}">
-              <a14:hiddenFill xmlns="" xmlns:a14="http://schemas.microsoft.com/office/drawing/2010/main">
+              <a14:hiddenFill xmlns:a14="http://schemas.microsoft.com/office/drawing/2010/main" xmlns="">
                 <a:noFill/>
               </a14:hiddenFill>
             </a:ext>
@@ -2715,8 +2717,8 @@
         </p:nvSpPr>
         <p:spPr>
           <a:xfrm>
-            <a:off x="3048000" y="6362436"/>
-            <a:ext cx="2971800" cy="365125"/>
+            <a:off x="4064000" y="6362437"/>
+            <a:ext cx="3962400" cy="365125"/>
           </a:xfrm>
           <a:prstGeom prst="rect">
             <a:avLst/>
@@ -2893,7 +2895,7 @@
         </p:nvSpPr>
         <p:spPr>
           <a:xfrm>
-            <a:off x="8229600" y="6362436"/>
+            <a:off x="10972800" y="6362437"/>
             <a:ext cx="375424" cy="307777"/>
           </a:xfrm>
           <a:prstGeom prst="rect">
@@ -3403,21 +3405,6 @@
           <a:p>
             <a:r>
               <a:rPr lang="zh-CN" altLang="en-US" dirty="0"/>
-              <a:t>第</a:t>
-            </a:r>
-            <a:r>
-              <a:rPr lang="en-US" altLang="zh-CN" dirty="0"/>
-              <a:t>10</a:t>
-            </a:r>
-            <a:r>
-              <a:rPr lang="zh-CN" altLang="en-US" dirty="0"/>
-              <a:t>章</a:t>
-            </a:r>
-            <a:br>
-              <a:rPr lang="en-US" altLang="zh-CN" dirty="0"/>
-            </a:br>
-            <a:r>
-              <a:rPr lang="zh-CN" altLang="en-US" dirty="0"/>
               <a:t>模型独立的学习方式</a:t>
             </a:r>
           </a:p>
@@ -3545,15 +3532,15 @@
       </p:sp>
       <p:pic>
         <p:nvPicPr>
-          <p:cNvPr id="5122" name="Picture 2" descr="æ¨¡åæ±æ»-14 å¤ä»»å¡å­¦ä¹ -Multitask Learningæ¦è¿°">
+          <p:cNvPr id="4" name="图片 3">
             <a:extLst>
               <a:ext uri="{FF2B5EF4-FFF2-40B4-BE49-F238E27FC236}">
-                <a16:creationId xmlns:a16="http://schemas.microsoft.com/office/drawing/2014/main" id="{0441B7E7-C099-4E47-8D85-2BD9CDC7F6B3}"/>
+                <a16:creationId xmlns:a16="http://schemas.microsoft.com/office/drawing/2014/main" id="{403BBAE5-A5AA-4A62-934F-20B451D2374A}"/>
               </a:ext>
             </a:extLst>
           </p:cNvPr>
           <p:cNvPicPr>
-            <a:picLocks noChangeAspect="1" noChangeArrowheads="1"/>
+            <a:picLocks noChangeAspect="1"/>
           </p:cNvPicPr>
           <p:nvPr/>
         </p:nvPicPr>
@@ -3565,29 +3552,18 @@
               </a:ext>
             </a:extLst>
           </a:blip>
-          <a:srcRect/>
           <a:stretch>
             <a:fillRect/>
           </a:stretch>
         </p:blipFill>
-        <p:spPr bwMode="auto">
+        <p:spPr>
           <a:xfrm>
-            <a:off x="2285651" y="1905000"/>
-            <a:ext cx="4572697" cy="4052888"/>
+            <a:off x="3790889" y="1371600"/>
+            <a:ext cx="4610221" cy="4871485"/>
           </a:xfrm>
           <a:prstGeom prst="rect">
             <a:avLst/>
           </a:prstGeom>
-          <a:noFill/>
-          <a:extLst>
-            <a:ext uri="{909E8E84-426E-40DD-AFC4-6F175D3DCCD1}">
-              <a14:hiddenFill xmlns:a14="http://schemas.microsoft.com/office/drawing/2010/main">
-                <a:solidFill>
-                  <a:srgbClr val="FFFFFF"/>
-                </a:solidFill>
-              </a14:hiddenFill>
-            </a:ext>
-          </a:extLst>
         </p:spPr>
       </p:pic>
     </p:spTree>
@@ -3632,7 +3608,7 @@
         </p:nvSpPr>
         <p:spPr>
           <a:xfrm>
-            <a:off x="609600" y="2362200"/>
+            <a:off x="2133600" y="2362201"/>
             <a:ext cx="7772400" cy="3603551"/>
           </a:xfrm>
           <a:prstGeom prst="rect">
@@ -3732,7 +3708,7 @@
         </p:blipFill>
         <p:spPr>
           <a:xfrm>
-            <a:off x="1066800" y="304800"/>
+            <a:off x="2590800" y="304800"/>
             <a:ext cx="6850288" cy="1024580"/>
           </a:xfrm>
           <a:prstGeom prst="rect">
@@ -3748,7 +3724,7 @@
         </p:nvSpPr>
         <p:spPr>
           <a:xfrm>
-            <a:off x="6400800" y="152400"/>
+            <a:off x="7924800" y="152400"/>
             <a:ext cx="2595582" cy="369332"/>
           </a:xfrm>
           <a:prstGeom prst="rect">
@@ -3864,7 +3840,7 @@
         </p:blipFill>
         <p:spPr>
           <a:xfrm>
-            <a:off x="652925" y="2057400"/>
+            <a:off x="2176926" y="2057401"/>
             <a:ext cx="8033875" cy="3359867"/>
           </a:xfrm>
           <a:prstGeom prst="rect">
@@ -3940,6 +3916,108 @@
       </p:sp>
       <p:pic>
         <p:nvPicPr>
+          <p:cNvPr id="4" name="图片 3">
+            <a:extLst>
+              <a:ext uri="{FF2B5EF4-FFF2-40B4-BE49-F238E27FC236}">
+                <a16:creationId xmlns:a16="http://schemas.microsoft.com/office/drawing/2014/main" id="{4385EB86-D55E-4D9E-BB05-13DDBE3C6112}"/>
+              </a:ext>
+            </a:extLst>
+          </p:cNvPr>
+          <p:cNvPicPr>
+            <a:picLocks noChangeAspect="1"/>
+          </p:cNvPicPr>
+          <p:nvPr/>
+        </p:nvPicPr>
+        <p:blipFill>
+          <a:blip r:embed="rId2">
+            <a:extLst>
+              <a:ext uri="{28A0092B-C50C-407E-A947-70E740481C1C}">
+                <a14:useLocalDpi xmlns:a14="http://schemas.microsoft.com/office/drawing/2010/main" val="0"/>
+              </a:ext>
+            </a:extLst>
+          </a:blip>
+          <a:stretch>
+            <a:fillRect/>
+          </a:stretch>
+        </p:blipFill>
+        <p:spPr>
+          <a:xfrm>
+            <a:off x="2793351" y="2590800"/>
+            <a:ext cx="6605298" cy="2133600"/>
+          </a:xfrm>
+          <a:prstGeom prst="rect">
+            <a:avLst/>
+          </a:prstGeom>
+        </p:spPr>
+      </p:pic>
+    </p:spTree>
+    <p:extLst>
+      <p:ext uri="{BB962C8B-B14F-4D97-AF65-F5344CB8AC3E}">
+        <p14:creationId xmlns:p14="http://schemas.microsoft.com/office/powerpoint/2010/main" val="3283023985"/>
+      </p:ext>
+    </p:extLst>
+  </p:cSld>
+  <p:clrMapOvr>
+    <a:masterClrMapping/>
+  </p:clrMapOvr>
+</p:sld>
+</file>
+
+<file path=ppt/slides/slide14.xml><?xml version="1.0" encoding="utf-8"?>
+<p:sld xmlns:a="http://schemas.openxmlformats.org/drawingml/2006/main" xmlns:r="http://schemas.openxmlformats.org/officeDocument/2006/relationships" xmlns:p="http://schemas.openxmlformats.org/presentationml/2006/main">
+  <p:cSld>
+    <p:spTree>
+      <p:nvGrpSpPr>
+        <p:cNvPr id="1" name=""/>
+        <p:cNvGrpSpPr/>
+        <p:nvPr/>
+      </p:nvGrpSpPr>
+      <p:grpSpPr>
+        <a:xfrm>
+          <a:off x="0" y="0"/>
+          <a:ext cx="0" cy="0"/>
+          <a:chOff x="0" y="0"/>
+          <a:chExt cx="0" cy="0"/>
+        </a:xfrm>
+      </p:grpSpPr>
+      <p:sp>
+        <p:nvSpPr>
+          <p:cNvPr id="2" name="标题 1">
+            <a:extLst>
+              <a:ext uri="{FF2B5EF4-FFF2-40B4-BE49-F238E27FC236}">
+                <a16:creationId xmlns:a16="http://schemas.microsoft.com/office/drawing/2014/main" id="{AD528609-A4F5-4E3B-99AF-5CE7F0E92A45}"/>
+              </a:ext>
+            </a:extLst>
+          </p:cNvPr>
+          <p:cNvSpPr>
+            <a:spLocks noGrp="1"/>
+          </p:cNvSpPr>
+          <p:nvPr>
+            <p:ph type="title"/>
+          </p:nvPr>
+        </p:nvSpPr>
+        <p:spPr/>
+        <p:txBody>
+          <a:bodyPr/>
+          <a:lstStyle/>
+          <a:p>
+            <a:r>
+              <a:rPr lang="zh-CN" altLang="en-US" dirty="0"/>
+              <a:t>元学习（</a:t>
+            </a:r>
+            <a:r>
+              <a:rPr lang="en-US" altLang="zh-CN" dirty="0"/>
+              <a:t>Meta Learning</a:t>
+            </a:r>
+            <a:r>
+              <a:rPr lang="zh-CN" altLang="en-US" dirty="0"/>
+              <a:t>）</a:t>
+            </a:r>
+          </a:p>
+        </p:txBody>
+      </p:sp>
+      <p:pic>
+        <p:nvPicPr>
           <p:cNvPr id="7170" name="Picture 2" descr="https://www.researchgate.net/profile/Joaquin_Vanschoren/publication/228376299/figure/fig1/AS:302007698116611@1449015654650/Base-learning-versus-meta-learning_W640.jpg">
             <a:extLst>
               <a:ext uri="{FF2B5EF4-FFF2-40B4-BE49-F238E27FC236}">
@@ -3967,7 +4045,7 @@
         </p:blipFill>
         <p:spPr bwMode="auto">
           <a:xfrm>
-            <a:off x="2347912" y="1905000"/>
+            <a:off x="3871912" y="1905000"/>
             <a:ext cx="4967288" cy="4105724"/>
           </a:xfrm>
           <a:prstGeom prst="rect">
@@ -3998,7 +4076,7 @@
 </p:sld>
 </file>
 
-<file path=ppt/slides/slide14.xml><?xml version="1.0" encoding="utf-8"?>
+<file path=ppt/slides/slide15.xml><?xml version="1.0" encoding="utf-8"?>
 <p:sld xmlns:a="http://schemas.openxmlformats.org/drawingml/2006/main" xmlns:r="http://schemas.openxmlformats.org/officeDocument/2006/relationships" xmlns:p="http://schemas.openxmlformats.org/presentationml/2006/main">
   <p:cSld>
     <p:spTree>
@@ -4072,7 +4150,7 @@
         </p:blipFill>
         <p:spPr bwMode="auto">
           <a:xfrm>
-            <a:off x="1371600" y="1447800"/>
+            <a:off x="2895600" y="1447800"/>
             <a:ext cx="6858000" cy="4572000"/>
           </a:xfrm>
           <a:prstGeom prst="rect">
@@ -4103,7 +4181,7 @@
 </p:sld>
 </file>
 
-<file path=ppt/slides/slide15.xml><?xml version="1.0" encoding="utf-8"?>
+<file path=ppt/slides/slide16.xml><?xml version="1.0" encoding="utf-8"?>
 <p:sld xmlns:a="http://schemas.openxmlformats.org/drawingml/2006/main" xmlns:r="http://schemas.openxmlformats.org/officeDocument/2006/relationships" xmlns:p="http://schemas.openxmlformats.org/presentationml/2006/main">
   <p:cSld>
     <p:spTree>
@@ -4128,7 +4206,7 @@
         </p:nvSpPr>
         <p:spPr>
           <a:xfrm>
-            <a:off x="3352800" y="4038600"/>
+            <a:off x="4876800" y="4038600"/>
             <a:ext cx="2313454" cy="369332"/>
           </a:xfrm>
           <a:prstGeom prst="rect">
@@ -4495,7 +4573,7 @@
         </p:blipFill>
         <p:spPr>
           <a:xfrm>
-            <a:off x="1371600" y="2057400"/>
+            <a:off x="2895601" y="2057401"/>
             <a:ext cx="5824009" cy="1507711"/>
           </a:xfrm>
           <a:prstGeom prst="rect">
@@ -4744,7 +4822,7 @@
         </p:blipFill>
         <p:spPr bwMode="auto">
           <a:xfrm>
-            <a:off x="1752600" y="1828800"/>
+            <a:off x="3276600" y="1828800"/>
             <a:ext cx="5638800" cy="4229100"/>
           </a:xfrm>
           <a:prstGeom prst="rect">
@@ -4909,7 +4987,7 @@
         </p:blipFill>
         <p:spPr bwMode="auto">
           <a:xfrm>
-            <a:off x="1447800" y="4038600"/>
+            <a:off x="2971801" y="4038601"/>
             <a:ext cx="6410325" cy="1968347"/>
           </a:xfrm>
           <a:prstGeom prst="rect">
@@ -5015,7 +5093,7 @@
         </p:blipFill>
         <p:spPr bwMode="auto">
           <a:xfrm>
-            <a:off x="1295400" y="1295400"/>
+            <a:off x="2819401" y="1295401"/>
             <a:ext cx="6315075" cy="5057775"/>
           </a:xfrm>
           <a:prstGeom prst="rect">
@@ -5157,7 +5235,7 @@
         </p:blipFill>
         <p:spPr bwMode="auto">
           <a:xfrm>
-            <a:off x="1905000" y="2356485"/>
+            <a:off x="3429001" y="2356486"/>
             <a:ext cx="5062011" cy="3800475"/>
           </a:xfrm>
           <a:prstGeom prst="rect">

--- a/ppt/chap-模型独立的学习方式.pptx
+++ b/ppt/chap-模型独立的学习方式.pptx
@@ -2,7 +2,7 @@
 <file path=ppt/presentation.xml><?xml version="1.0" encoding="utf-8"?>
 <p:presentation xmlns:a="http://schemas.openxmlformats.org/drawingml/2006/main" xmlns:r="http://schemas.openxmlformats.org/officeDocument/2006/relationships" xmlns:p="http://schemas.openxmlformats.org/presentationml/2006/main" saveSubsetFonts="1">
   <p:sldMasterIdLst>
-    <p:sldMasterId id="2147483756" r:id="rId1"/>
+    <p:sldMasterId id="2147483833" r:id="rId1"/>
   </p:sldMasterIdLst>
   <p:notesMasterIdLst>
     <p:notesMasterId r:id="rId18"/>
@@ -153,30 +153,6 @@
     </a:lvl9pPr>
   </p:defaultTextStyle>
   <p:extLst>
-    <p:ext uri="{521415D9-36F7-43E2-AB2F-B90AF26B5E84}">
-      <p14:sectionLst xmlns:p14="http://schemas.microsoft.com/office/powerpoint/2010/main">
-        <p14:section name="默认节" id="{F7C6C2FB-27F1-4C54-84AD-CB6625FEB4C3}">
-          <p14:sldIdLst>
-            <p14:sldId id="256"/>
-            <p14:sldId id="448"/>
-            <p14:sldId id="449"/>
-            <p14:sldId id="450"/>
-            <p14:sldId id="451"/>
-            <p14:sldId id="453"/>
-            <p14:sldId id="452"/>
-            <p14:sldId id="917"/>
-            <p14:sldId id="454"/>
-            <p14:sldId id="456"/>
-            <p14:sldId id="916"/>
-            <p14:sldId id="918"/>
-            <p14:sldId id="920"/>
-            <p14:sldId id="919"/>
-            <p14:sldId id="455"/>
-            <p14:sldId id="447"/>
-          </p14:sldIdLst>
-        </p14:section>
-      </p14:sectionLst>
-    </p:ext>
     <p:ext uri="{EFAFB233-063F-42B5-8137-9DF3F51BA10A}">
       <p15:sldGuideLst xmlns:p15="http://schemas.microsoft.com/office/powerpoint/2012/main">
         <p15:guide id="1" orient="horz" pos="2160" userDrawn="1">
@@ -301,7 +277,7 @@
               <a:pPr>
                 <a:defRPr/>
               </a:pPr>
-              <a:t>11/14/2019</a:t>
+              <a:t>12/2/2020</a:t>
             </a:fld>
             <a:endParaRPr lang="en-US" altLang="zh-CN"/>
           </a:p>
@@ -718,8 +694,8 @@
 </file>
 
 <file path=ppt/slideLayouts/slideLayout1.xml><?xml version="1.0" encoding="utf-8"?>
-<p:sldLayout xmlns:a="http://schemas.openxmlformats.org/drawingml/2006/main" xmlns:r="http://schemas.openxmlformats.org/officeDocument/2006/relationships" xmlns:p="http://schemas.openxmlformats.org/presentationml/2006/main" showMasterSp="0" preserve="1" userDrawn="1">
-  <p:cSld name="Title Slide">
+<p:sldLayout xmlns:a="http://schemas.openxmlformats.org/drawingml/2006/main" xmlns:r="http://schemas.openxmlformats.org/officeDocument/2006/relationships" xmlns:p="http://schemas.openxmlformats.org/presentationml/2006/main" showMasterSp="0" preserve="1">
+  <p:cSld name="标题幻灯片">
     <p:spTree>
       <p:nvGrpSpPr>
         <p:cNvPr id="1" name=""/>
@@ -734,6 +710,42 @@
           <a:chExt cx="0" cy="0"/>
         </a:xfrm>
       </p:grpSpPr>
+      <p:pic>
+        <p:nvPicPr>
+          <p:cNvPr id="3" name="图片 2">
+            <a:extLst>
+              <a:ext uri="{FF2B5EF4-FFF2-40B4-BE49-F238E27FC236}">
+                <a16:creationId xmlns:a16="http://schemas.microsoft.com/office/drawing/2014/main" id="{2966F891-39E4-4949-84B5-293BD1F65EA1}"/>
+              </a:ext>
+            </a:extLst>
+          </p:cNvPr>
+          <p:cNvPicPr>
+            <a:picLocks noChangeAspect="1"/>
+          </p:cNvPicPr>
+          <p:nvPr/>
+        </p:nvPicPr>
+        <p:blipFill>
+          <a:blip r:embed="rId2">
+            <a:extLst>
+              <a:ext uri="{28A0092B-C50C-407E-A947-70E740481C1C}">
+                <a14:useLocalDpi xmlns:a14="http://schemas.microsoft.com/office/drawing/2010/main" val="0"/>
+              </a:ext>
+            </a:extLst>
+          </a:blip>
+          <a:stretch>
+            <a:fillRect/>
+          </a:stretch>
+        </p:blipFill>
+        <p:spPr>
+          <a:xfrm>
+            <a:off x="359807" y="1524000"/>
+            <a:ext cx="6117446" cy="4684464"/>
+          </a:xfrm>
+          <a:prstGeom prst="rect">
+            <a:avLst/>
+          </a:prstGeom>
+        </p:spPr>
+      </p:pic>
       <p:sp>
         <p:nvSpPr>
           <p:cNvPr id="4" name="Rectangle 10"/>
@@ -742,8 +754,8 @@
         </p:nvSpPr>
         <p:spPr>
           <a:xfrm>
-            <a:off x="999067" y="2438403"/>
-            <a:ext cx="9753600" cy="1956197"/>
+            <a:off x="4038600" y="3657600"/>
+            <a:ext cx="6637866" cy="1654481"/>
           </a:xfrm>
           <a:prstGeom prst="rect">
             <a:avLst/>
@@ -891,8 +903,8 @@
         </p:nvSpPr>
         <p:spPr>
           <a:xfrm>
-            <a:off x="304800" y="673896"/>
-            <a:ext cx="7213600" cy="719623"/>
+            <a:off x="304800" y="673897"/>
+            <a:ext cx="6117446" cy="719623"/>
           </a:xfrm>
           <a:prstGeom prst="rect">
             <a:avLst/>
@@ -1024,7 +1036,7 @@
             <a:pPr algn="ctr" eaLnBrk="1" hangingPunct="1">
               <a:defRPr/>
             </a:pPr>
-            <a:endParaRPr lang="zh-CN" altLang="zh-CN" sz="3600">
+            <a:endParaRPr lang="zh-CN" altLang="zh-CN" sz="2700">
               <a:solidFill>
                 <a:srgbClr val="FFFFFF"/>
               </a:solidFill>
@@ -1040,14 +1052,14 @@
         </p:nvSpPr>
         <p:spPr>
           <a:xfrm>
-            <a:off x="999067" y="2438403"/>
-            <a:ext cx="304800" cy="1956197"/>
+            <a:off x="4038600" y="3657600"/>
+            <a:ext cx="304800" cy="1654481"/>
           </a:xfrm>
           <a:prstGeom prst="rect">
             <a:avLst/>
           </a:prstGeom>
           <a:solidFill>
-            <a:schemeClr val="accent1"/>
+            <a:srgbClr val="EB641B"/>
           </a:solidFill>
           <a:ln w="6350" cap="rnd" cmpd="sng" algn="ctr">
             <a:noFill/>
@@ -1189,7 +1201,7 @@
         </p:nvSpPr>
         <p:spPr>
           <a:xfrm>
-            <a:off x="359806" y="665099"/>
+            <a:off x="359807" y="665099"/>
             <a:ext cx="187820" cy="731230"/>
           </a:xfrm>
           <a:prstGeom prst="rect">
@@ -1322,7 +1334,7 @@
             <a:pPr algn="ctr" eaLnBrk="1" hangingPunct="1">
               <a:defRPr/>
             </a:pPr>
-            <a:endParaRPr lang="zh-CN" altLang="zh-CN">
+            <a:endParaRPr lang="zh-CN" altLang="zh-CN" dirty="0">
               <a:solidFill>
                 <a:srgbClr val="FFFFFF"/>
               </a:solidFill>
@@ -1342,24 +1354,28 @@
         </p:nvSpPr>
         <p:spPr>
           <a:xfrm>
-            <a:off x="1418167" y="2676527"/>
-            <a:ext cx="9144000" cy="1514475"/>
+            <a:off x="4343400" y="3827594"/>
+            <a:ext cx="6142566" cy="1280888"/>
           </a:xfrm>
         </p:spPr>
         <p:txBody>
           <a:bodyPr anchor="ctr"/>
           <a:lstStyle>
             <a:lvl1pPr algn="ctr">
-              <a:defRPr sz="3600">
-                <a:solidFill>
-                  <a:schemeClr val="tx1"/>
-                </a:solidFill>
-                <a:latin typeface="微软雅黑" panose="020B0503020204020204" pitchFamily="34" charset="-122"/>
-                <a:ea typeface="微软雅黑" panose="020B0503020204020204" pitchFamily="34" charset="-122"/>
+              <a:defRPr sz="2800" baseline="0">
+                <a:solidFill>
+                  <a:schemeClr val="tx1"/>
+                </a:solidFill>
+                <a:latin typeface="+mj-lt"/>
+                <a:ea typeface="+mj-ea"/>
               </a:defRPr>
             </a:lvl1pPr>
           </a:lstStyle>
           <a:p>
+            <a:r>
+              <a:rPr lang="zh-CN" altLang="en-US"/>
+              <a:t>单击此处编辑母版标题样式</a:t>
+            </a:r>
             <a:endParaRPr lang="en-US" dirty="0"/>
           </a:p>
         </p:txBody>
@@ -1377,49 +1393,56 @@
         <p:spPr>
           <a:xfrm>
             <a:off x="563006" y="726666"/>
-            <a:ext cx="6853796" cy="568735"/>
+            <a:ext cx="5812317" cy="568735"/>
           </a:xfrm>
+          <a:prstGeom prst="rect">
+            <a:avLst/>
+          </a:prstGeom>
         </p:spPr>
         <p:txBody>
           <a:bodyPr anchor="ctr"/>
           <a:lstStyle>
             <a:lvl1pPr marL="0" indent="0" algn="ctr">
               <a:buNone/>
-              <a:defRPr sz="2400">
+              <a:defRPr sz="2400" baseline="0">
                 <a:solidFill>
                   <a:schemeClr val="tx2"/>
                 </a:solidFill>
-                <a:latin typeface="华文细黑" panose="02010600040101010101" pitchFamily="2" charset="-122"/>
-                <a:ea typeface="华文细黑" panose="02010600040101010101" pitchFamily="2" charset="-122"/>
+                <a:latin typeface="+mn-lt"/>
+                <a:ea typeface="+mn-ea"/>
                 <a:cs typeface="+mj-cs"/>
               </a:defRPr>
             </a:lvl1pPr>
-            <a:lvl2pPr marL="342900" indent="0" algn="ctr">
+            <a:lvl2pPr marL="257175" indent="0" algn="ctr">
               <a:buNone/>
             </a:lvl2pPr>
-            <a:lvl3pPr marL="685800" indent="0" algn="ctr">
+            <a:lvl3pPr marL="514350" indent="0" algn="ctr">
               <a:buNone/>
             </a:lvl3pPr>
-            <a:lvl4pPr marL="1028700" indent="0" algn="ctr">
+            <a:lvl4pPr marL="771525" indent="0" algn="ctr">
               <a:buNone/>
             </a:lvl4pPr>
-            <a:lvl5pPr marL="1371600" indent="0" algn="ctr">
+            <a:lvl5pPr marL="1028700" indent="0" algn="ctr">
               <a:buNone/>
             </a:lvl5pPr>
-            <a:lvl6pPr marL="1714500" indent="0" algn="ctr">
+            <a:lvl6pPr marL="1285875" indent="0" algn="ctr">
               <a:buNone/>
             </a:lvl6pPr>
-            <a:lvl7pPr marL="2057400" indent="0" algn="ctr">
+            <a:lvl7pPr marL="1543050" indent="0" algn="ctr">
               <a:buNone/>
             </a:lvl7pPr>
-            <a:lvl8pPr marL="2400300" indent="0" algn="ctr">
+            <a:lvl8pPr marL="1800225" indent="0" algn="ctr">
               <a:buNone/>
             </a:lvl8pPr>
-            <a:lvl9pPr marL="2743200" indent="0" algn="ctr">
+            <a:lvl9pPr marL="2057400" indent="0" algn="ctr">
               <a:buNone/>
             </a:lvl9pPr>
           </a:lstStyle>
           <a:p>
+            <a:r>
+              <a:rPr lang="zh-CN" altLang="en-US"/>
+              <a:t>单击此处编辑母版副标题样式</a:t>
+            </a:r>
             <a:endParaRPr lang="en-US" dirty="0"/>
           </a:p>
         </p:txBody>
@@ -1436,48 +1459,55 @@
         </p:nvSpPr>
         <p:spPr>
           <a:xfrm>
-            <a:off x="2946402" y="4800600"/>
-            <a:ext cx="6737351" cy="1600200"/>
+            <a:off x="5280025" y="5550204"/>
+            <a:ext cx="4273554" cy="790860"/>
           </a:xfrm>
+          <a:prstGeom prst="rect">
+            <a:avLst/>
+          </a:prstGeom>
         </p:spPr>
         <p:txBody>
           <a:bodyPr/>
           <a:lstStyle>
             <a:lvl1pPr marL="0" indent="0" algn="ctr">
               <a:buNone/>
-              <a:defRPr sz="2400">
+              <a:defRPr sz="2400" baseline="0">
                 <a:solidFill>
                   <a:schemeClr val="accent1">
                     <a:lumMod val="60000"/>
                     <a:lumOff val="40000"/>
                   </a:schemeClr>
                 </a:solidFill>
-                <a:latin typeface="+mn-ea"/>
+                <a:latin typeface="+mn-lt"/>
                 <a:ea typeface="+mn-ea"/>
               </a:defRPr>
             </a:lvl1pPr>
           </a:lstStyle>
           <a:p>
             <a:pPr lvl="0"/>
-            <a:endParaRPr lang="zh-CN" altLang="en-US" dirty="0"/>
+            <a:r>
+              <a:rPr lang="zh-CN" altLang="en-US"/>
+              <a:t>编辑母版文本样式</a:t>
+            </a:r>
           </a:p>
         </p:txBody>
       </p:sp>
     </p:spTree>
     <p:extLst>
       <p:ext uri="{BB962C8B-B14F-4D97-AF65-F5344CB8AC3E}">
-        <p14:creationId xmlns:p14="http://schemas.microsoft.com/office/powerpoint/2010/main" val="3246728447"/>
+        <p14:creationId xmlns:p14="http://schemas.microsoft.com/office/powerpoint/2010/main" val="1616597132"/>
       </p:ext>
     </p:extLst>
   </p:cSld>
   <p:clrMapOvr>
     <a:masterClrMapping/>
   </p:clrMapOvr>
+  <p:hf hdr="0" ftr="0" dt="0"/>
 </p:sldLayout>
 </file>
 
 <file path=ppt/slideLayouts/slideLayout2.xml><?xml version="1.0" encoding="utf-8"?>
-<p:sldLayout xmlns:a="http://schemas.openxmlformats.org/drawingml/2006/main" xmlns:r="http://schemas.openxmlformats.org/officeDocument/2006/relationships" xmlns:p="http://schemas.openxmlformats.org/presentationml/2006/main" preserve="1" userDrawn="1">
+<p:sldLayout xmlns:a="http://schemas.openxmlformats.org/drawingml/2006/main" xmlns:r="http://schemas.openxmlformats.org/officeDocument/2006/relationships" xmlns:p="http://schemas.openxmlformats.org/presentationml/2006/main" showMasterSp="0" preserve="1">
   <p:cSld name="Subsection">
     <p:spTree>
       <p:nvGrpSpPr>
@@ -1493,16 +1523,58 @@
           <a:chExt cx="0" cy="0"/>
         </a:xfrm>
       </p:grpSpPr>
+      <p:pic>
+        <p:nvPicPr>
+          <p:cNvPr id="12" name="图片 11">
+            <a:extLst>
+              <a:ext uri="{FF2B5EF4-FFF2-40B4-BE49-F238E27FC236}">
+                <a16:creationId xmlns:a16="http://schemas.microsoft.com/office/drawing/2014/main" id="{22BBD6FA-A54A-485F-87D9-C9652F586CB9}"/>
+              </a:ext>
+            </a:extLst>
+          </p:cNvPr>
+          <p:cNvPicPr>
+            <a:picLocks noChangeAspect="1"/>
+          </p:cNvPicPr>
+          <p:nvPr/>
+        </p:nvPicPr>
+        <p:blipFill>
+          <a:blip r:embed="rId2">
+            <a:extLst>
+              <a:ext uri="{28A0092B-C50C-407E-A947-70E740481C1C}">
+                <a14:useLocalDpi xmlns:a14="http://schemas.microsoft.com/office/drawing/2010/main" val="0"/>
+              </a:ext>
+            </a:extLst>
+          </a:blip>
+          <a:stretch>
+            <a:fillRect/>
+          </a:stretch>
+        </p:blipFill>
+        <p:spPr>
+          <a:xfrm>
+            <a:off x="359807" y="1524000"/>
+            <a:ext cx="6117446" cy="4684464"/>
+          </a:xfrm>
+          <a:prstGeom prst="rect">
+            <a:avLst/>
+          </a:prstGeom>
+        </p:spPr>
+      </p:pic>
       <p:sp>
         <p:nvSpPr>
-          <p:cNvPr id="4" name="Rectangle 10"/>
+          <p:cNvPr id="16" name="Rectangle 10">
+            <a:extLst>
+              <a:ext uri="{FF2B5EF4-FFF2-40B4-BE49-F238E27FC236}">
+                <a16:creationId xmlns:a16="http://schemas.microsoft.com/office/drawing/2014/main" id="{80B6937C-32A7-4CC7-BE4A-AB7A564C7186}"/>
+              </a:ext>
+            </a:extLst>
+          </p:cNvPr>
           <p:cNvSpPr/>
           <p:nvPr/>
         </p:nvSpPr>
         <p:spPr>
           <a:xfrm>
-            <a:off x="999067" y="2438403"/>
-            <a:ext cx="9753600" cy="1956197"/>
+            <a:off x="4038600" y="3657600"/>
+            <a:ext cx="6637866" cy="1654481"/>
           </a:xfrm>
           <a:prstGeom prst="rect">
             <a:avLst/>
@@ -1644,20 +1716,26 @@
       </p:sp>
       <p:sp>
         <p:nvSpPr>
-          <p:cNvPr id="6" name="Rectangle 14"/>
+          <p:cNvPr id="17" name="Rectangle 14">
+            <a:extLst>
+              <a:ext uri="{FF2B5EF4-FFF2-40B4-BE49-F238E27FC236}">
+                <a16:creationId xmlns:a16="http://schemas.microsoft.com/office/drawing/2014/main" id="{EDC16F34-8BA1-4A4E-B0D4-81397E1E7CD0}"/>
+              </a:ext>
+            </a:extLst>
+          </p:cNvPr>
           <p:cNvSpPr/>
           <p:nvPr/>
         </p:nvSpPr>
         <p:spPr>
           <a:xfrm>
-            <a:off x="999067" y="2438403"/>
-            <a:ext cx="304800" cy="1956197"/>
+            <a:off x="4038600" y="3657600"/>
+            <a:ext cx="304800" cy="1654481"/>
           </a:xfrm>
           <a:prstGeom prst="rect">
             <a:avLst/>
           </a:prstGeom>
           <a:solidFill>
-            <a:schemeClr val="accent1"/>
+            <a:srgbClr val="EB641B"/>
           </a:solidFill>
           <a:ln w="6350" cap="rnd" cmpd="sng" algn="ctr">
             <a:noFill/>
@@ -1793,7 +1871,13 @@
       </p:sp>
       <p:sp>
         <p:nvSpPr>
-          <p:cNvPr id="8" name="Title 7"/>
+          <p:cNvPr id="18" name="Title 7">
+            <a:extLst>
+              <a:ext uri="{FF2B5EF4-FFF2-40B4-BE49-F238E27FC236}">
+                <a16:creationId xmlns:a16="http://schemas.microsoft.com/office/drawing/2014/main" id="{66A552C8-61F4-43FC-A974-9DE54534BA38}"/>
+              </a:ext>
+            </a:extLst>
+          </p:cNvPr>
           <p:cNvSpPr>
             <a:spLocks noGrp="1"/>
           </p:cNvSpPr>
@@ -1803,24 +1887,28 @@
         </p:nvSpPr>
         <p:spPr>
           <a:xfrm>
-            <a:off x="1418167" y="2676527"/>
-            <a:ext cx="9144000" cy="1514475"/>
+            <a:off x="4343400" y="3827594"/>
+            <a:ext cx="6142566" cy="1280888"/>
           </a:xfrm>
         </p:spPr>
         <p:txBody>
           <a:bodyPr anchor="ctr"/>
           <a:lstStyle>
             <a:lvl1pPr algn="ctr">
-              <a:defRPr sz="2800">
-                <a:solidFill>
-                  <a:schemeClr val="tx1"/>
-                </a:solidFill>
-                <a:latin typeface="微软雅黑" panose="020B0503020204020204" pitchFamily="34" charset="-122"/>
-                <a:ea typeface="微软雅黑" panose="020B0503020204020204" pitchFamily="34" charset="-122"/>
+              <a:defRPr sz="2800" baseline="0">
+                <a:solidFill>
+                  <a:schemeClr val="tx1"/>
+                </a:solidFill>
+                <a:latin typeface="+mj-lt"/>
+                <a:ea typeface="+mj-ea"/>
               </a:defRPr>
             </a:lvl1pPr>
           </a:lstStyle>
           <a:p>
+            <a:r>
+              <a:rPr lang="zh-CN" altLang="en-US"/>
+              <a:t>单击此处编辑母版标题样式</a:t>
+            </a:r>
             <a:endParaRPr lang="en-US" dirty="0"/>
           </a:p>
         </p:txBody>
@@ -1828,7 +1916,7 @@
     </p:spTree>
     <p:extLst>
       <p:ext uri="{BB962C8B-B14F-4D97-AF65-F5344CB8AC3E}">
-        <p14:creationId xmlns:p14="http://schemas.microsoft.com/office/powerpoint/2010/main" val="802082747"/>
+        <p14:creationId xmlns:p14="http://schemas.microsoft.com/office/powerpoint/2010/main" val="181697984"/>
       </p:ext>
     </p:extLst>
   </p:cSld>
@@ -1839,8 +1927,8 @@
 </file>
 
 <file path=ppt/slideLayouts/slideLayout3.xml><?xml version="1.0" encoding="utf-8"?>
-<p:sldLayout xmlns:a="http://schemas.openxmlformats.org/drawingml/2006/main" xmlns:r="http://schemas.openxmlformats.org/officeDocument/2006/relationships" xmlns:p="http://schemas.openxmlformats.org/presentationml/2006/main" preserve="1" userDrawn="1">
-  <p:cSld name="Title and Content">
+<p:sldLayout xmlns:a="http://schemas.openxmlformats.org/drawingml/2006/main" xmlns:r="http://schemas.openxmlformats.org/officeDocument/2006/relationships" xmlns:p="http://schemas.openxmlformats.org/presentationml/2006/main" preserve="1">
+  <p:cSld name="标题和内容">
     <p:spTree>
       <p:nvGrpSpPr>
         <p:cNvPr id="1" name=""/>
@@ -1857,7 +1945,13 @@
       </p:grpSpPr>
       <p:sp>
         <p:nvSpPr>
-          <p:cNvPr id="2" name="Title 1"/>
+          <p:cNvPr id="4" name="标题 3">
+            <a:extLst>
+              <a:ext uri="{FF2B5EF4-FFF2-40B4-BE49-F238E27FC236}">
+                <a16:creationId xmlns:a16="http://schemas.microsoft.com/office/drawing/2014/main" id="{45050A8B-65E7-4672-9976-F9678ACCF210}"/>
+              </a:ext>
+            </a:extLst>
+          </p:cNvPr>
           <p:cNvSpPr>
             <a:spLocks noGrp="1"/>
           </p:cNvSpPr>
@@ -1868,105 +1962,115 @@
         <p:spPr/>
         <p:txBody>
           <a:bodyPr/>
-          <a:lstStyle>
-            <a:lvl1pPr>
-              <a:defRPr>
-                <a:latin typeface="微软雅黑" panose="020B0503020204020204" pitchFamily="34" charset="-122"/>
-                <a:ea typeface="微软雅黑" panose="020B0503020204020204" pitchFamily="34" charset="-122"/>
-              </a:defRPr>
-            </a:lvl1pPr>
-          </a:lstStyle>
-          <a:p>
-            <a:r>
-              <a:rPr lang="en-US" dirty="0"/>
-              <a:t>Click to edit Master title style</a:t>
+          <a:lstStyle/>
+          <a:p>
+            <a:r>
+              <a:rPr lang="zh-CN" altLang="en-US"/>
+              <a:t>单击此处编辑母版标题样式</a:t>
             </a:r>
           </a:p>
         </p:txBody>
       </p:sp>
       <p:sp>
         <p:nvSpPr>
-          <p:cNvPr id="8" name="Content Placeholder 7"/>
+          <p:cNvPr id="8" name="Text Placeholder 12">
+            <a:extLst>
+              <a:ext uri="{FF2B5EF4-FFF2-40B4-BE49-F238E27FC236}">
+                <a16:creationId xmlns:a16="http://schemas.microsoft.com/office/drawing/2014/main" id="{B69B4C9B-667A-475B-923C-B441E63112E2}"/>
+              </a:ext>
+            </a:extLst>
+          </p:cNvPr>
           <p:cNvSpPr>
             <a:spLocks noGrp="1"/>
           </p:cNvSpPr>
           <p:nvPr>
-            <p:ph sz="quarter" idx="1"/>
+            <p:ph idx="1"/>
           </p:nvPr>
         </p:nvSpPr>
-        <p:spPr>
+        <p:spPr bwMode="auto">
           <a:xfrm>
-            <a:off x="609600" y="1219200"/>
-            <a:ext cx="10972800" cy="4937760"/>
+            <a:off x="609600" y="990600"/>
+            <a:ext cx="10972800" cy="5410200"/>
           </a:xfrm>
+          <a:prstGeom prst="rect">
+            <a:avLst/>
+          </a:prstGeom>
+          <a:noFill/>
+          <a:ln>
+            <a:noFill/>
+          </a:ln>
+          <a:extLst>
+            <a:ext uri="{909E8E84-426E-40DD-AFC4-6F175D3DCCD1}">
+              <a14:hiddenFill xmlns:a14="http://schemas.microsoft.com/office/drawing/2010/main">
+                <a:solidFill>
+                  <a:srgbClr val="FFFFFF"/>
+                </a:solidFill>
+              </a14:hiddenFill>
+            </a:ext>
+            <a:ext uri="{91240B29-F687-4F45-9708-019B960494DF}">
+              <a14:hiddenLine xmlns:a14="http://schemas.microsoft.com/office/drawing/2010/main" w="9525">
+                <a:solidFill>
+                  <a:srgbClr val="000000"/>
+                </a:solidFill>
+                <a:miter lim="800000"/>
+                <a:headEnd/>
+                <a:tailEnd/>
+              </a14:hiddenLine>
+            </a:ext>
+          </a:extLst>
         </p:spPr>
         <p:txBody>
-          <a:bodyPr/>
+          <a:bodyPr vert="horz" wrap="square" lIns="91440" tIns="45720" rIns="91440" bIns="45720" numCol="1" anchor="t" anchorCtr="0" compatLnSpc="1">
+            <a:prstTxWarp prst="textNoShape">
+              <a:avLst/>
+            </a:prstTxWarp>
+          </a:bodyPr>
           <a:lstStyle>
             <a:lvl1pPr>
-              <a:defRPr>
-                <a:latin typeface="华文楷体" panose="02010600040101010101" pitchFamily="2" charset="-122"/>
-                <a:ea typeface="华文楷体" panose="02010600040101010101" pitchFamily="2" charset="-122"/>
+              <a:defRPr baseline="0">
+                <a:latin typeface="+mn-lt"/>
               </a:defRPr>
             </a:lvl1pPr>
             <a:lvl2pPr>
-              <a:defRPr sz="2400">
-                <a:latin typeface="华文楷体" panose="02010600040101010101" pitchFamily="2" charset="-122"/>
-                <a:ea typeface="华文楷体" panose="02010600040101010101" pitchFamily="2" charset="-122"/>
+              <a:defRPr baseline="0">
+                <a:latin typeface="+mn-lt"/>
               </a:defRPr>
             </a:lvl2pPr>
             <a:lvl3pPr>
-              <a:defRPr sz="2400">
-                <a:latin typeface="华文楷体" panose="02010600040101010101" pitchFamily="2" charset="-122"/>
-                <a:ea typeface="华文楷体" panose="02010600040101010101" pitchFamily="2" charset="-122"/>
+              <a:defRPr baseline="0">
+                <a:latin typeface="+mn-lt"/>
               </a:defRPr>
             </a:lvl3pPr>
             <a:lvl4pPr>
-              <a:defRPr sz="1800">
-                <a:latin typeface="华文楷体" panose="02010600040101010101" pitchFamily="2" charset="-122"/>
-                <a:ea typeface="华文楷体" panose="02010600040101010101" pitchFamily="2" charset="-122"/>
+              <a:defRPr baseline="0">
+                <a:latin typeface="+mn-lt"/>
               </a:defRPr>
             </a:lvl4pPr>
             <a:lvl5pPr>
-              <a:defRPr sz="1600">
-                <a:latin typeface="华文楷体" panose="02010600040101010101" pitchFamily="2" charset="-122"/>
-                <a:ea typeface="华文楷体" panose="02010600040101010101" pitchFamily="2" charset="-122"/>
+              <a:defRPr baseline="0">
+                <a:latin typeface="+mn-lt"/>
               </a:defRPr>
             </a:lvl5pPr>
           </a:lstStyle>
           <a:p>
             <a:pPr lvl="0"/>
             <a:r>
-              <a:rPr lang="en-US" dirty="0"/>
-              <a:t>Click to edit Master text styles</a:t>
+              <a:rPr lang="zh-CN" altLang="en-US"/>
+              <a:t>编辑母版文本样式</a:t>
             </a:r>
           </a:p>
           <a:p>
             <a:pPr lvl="1"/>
             <a:r>
-              <a:rPr lang="en-US" dirty="0"/>
-              <a:t>Second level</a:t>
+              <a:rPr lang="zh-CN" altLang="en-US"/>
+              <a:t>第二级</a:t>
             </a:r>
           </a:p>
           <a:p>
             <a:pPr lvl="2"/>
             <a:r>
-              <a:rPr lang="en-US" dirty="0"/>
-              <a:t>Third level</a:t>
-            </a:r>
-          </a:p>
-          <a:p>
-            <a:pPr lvl="3"/>
-            <a:r>
-              <a:rPr lang="en-US" dirty="0"/>
-              <a:t>Fourth level</a:t>
-            </a:r>
-          </a:p>
-          <a:p>
-            <a:pPr lvl="4"/>
-            <a:r>
-              <a:rPr lang="en-US" dirty="0"/>
-              <a:t>Fifth level</a:t>
+              <a:rPr lang="zh-CN" altLang="en-US"/>
+              <a:t>第三级</a:t>
             </a:r>
           </a:p>
         </p:txBody>
@@ -1974,18 +2078,19 @@
     </p:spTree>
     <p:extLst>
       <p:ext uri="{BB962C8B-B14F-4D97-AF65-F5344CB8AC3E}">
-        <p14:creationId xmlns:p14="http://schemas.microsoft.com/office/powerpoint/2010/main" val="2163955103"/>
+        <p14:creationId xmlns:p14="http://schemas.microsoft.com/office/powerpoint/2010/main" val="3062667306"/>
       </p:ext>
     </p:extLst>
   </p:cSld>
   <p:clrMapOvr>
     <a:masterClrMapping/>
   </p:clrMapOvr>
+  <p:hf hdr="0" ftr="0" dt="0"/>
 </p:sldLayout>
 </file>
 
 <file path=ppt/slideLayouts/slideLayout4.xml><?xml version="1.0" encoding="utf-8"?>
-<p:sldLayout xmlns:a="http://schemas.openxmlformats.org/drawingml/2006/main" xmlns:r="http://schemas.openxmlformats.org/officeDocument/2006/relationships" xmlns:p="http://schemas.openxmlformats.org/presentationml/2006/main" preserve="1" userDrawn="1">
+<p:sldLayout xmlns:a="http://schemas.openxmlformats.org/drawingml/2006/main" xmlns:r="http://schemas.openxmlformats.org/officeDocument/2006/relationships" xmlns:p="http://schemas.openxmlformats.org/presentationml/2006/main" preserve="1">
   <p:cSld name="Just Title">
     <p:spTree>
       <p:nvGrpSpPr>
@@ -2003,7 +2108,13 @@
       </p:grpSpPr>
       <p:sp>
         <p:nvSpPr>
-          <p:cNvPr id="2" name="Title 1"/>
+          <p:cNvPr id="2" name="标题 1">
+            <a:extLst>
+              <a:ext uri="{FF2B5EF4-FFF2-40B4-BE49-F238E27FC236}">
+                <a16:creationId xmlns:a16="http://schemas.microsoft.com/office/drawing/2014/main" id="{A7A3B309-5F91-4EC3-B303-AAA2C66728F2}"/>
+              </a:ext>
+            </a:extLst>
+          </p:cNvPr>
           <p:cNvSpPr>
             <a:spLocks noGrp="1"/>
           </p:cNvSpPr>
@@ -2014,27 +2125,19 @@
         <p:spPr/>
         <p:txBody>
           <a:bodyPr/>
-          <a:lstStyle>
-            <a:lvl1pPr>
-              <a:defRPr>
-                <a:latin typeface="微软雅黑" panose="020B0503020204020204" pitchFamily="34" charset="-122"/>
-                <a:ea typeface="微软雅黑" panose="020B0503020204020204" pitchFamily="34" charset="-122"/>
-              </a:defRPr>
-            </a:lvl1pPr>
-          </a:lstStyle>
-          <a:p>
-            <a:r>
-              <a:rPr lang="en-US" altLang="zh-CN" dirty="0"/>
-              <a:t>Click to edit Master title style</a:t>
-            </a:r>
-            <a:endParaRPr lang="zh-CN" altLang="en-US" dirty="0"/>
+          <a:lstStyle/>
+          <a:p>
+            <a:r>
+              <a:rPr lang="zh-CN" altLang="en-US"/>
+              <a:t>单击此处编辑母版标题样式</a:t>
+            </a:r>
           </a:p>
         </p:txBody>
       </p:sp>
     </p:spTree>
     <p:extLst>
       <p:ext uri="{BB962C8B-B14F-4D97-AF65-F5344CB8AC3E}">
-        <p14:creationId xmlns:p14="http://schemas.microsoft.com/office/powerpoint/2010/main" val="2531258794"/>
+        <p14:creationId xmlns:p14="http://schemas.microsoft.com/office/powerpoint/2010/main" val="673418869"/>
       </p:ext>
     </p:extLst>
   </p:cSld>
@@ -2045,8 +2148,8 @@
 </file>
 
 <file path=ppt/slideLayouts/slideLayout5.xml><?xml version="1.0" encoding="utf-8"?>
-<p:sldLayout xmlns:a="http://schemas.openxmlformats.org/drawingml/2006/main" xmlns:r="http://schemas.openxmlformats.org/officeDocument/2006/relationships" xmlns:p="http://schemas.openxmlformats.org/presentationml/2006/main" type="twoObj" preserve="1">
-  <p:cSld name="Two Content">
+<p:sldLayout xmlns:a="http://schemas.openxmlformats.org/drawingml/2006/main" xmlns:r="http://schemas.openxmlformats.org/officeDocument/2006/relationships" xmlns:p="http://schemas.openxmlformats.org/presentationml/2006/main" preserve="1">
+  <p:cSld name="两栏内容">
     <p:spTree>
       <p:nvGrpSpPr>
         <p:cNvPr id="1" name=""/>
@@ -2063,7 +2166,209 @@
       </p:grpSpPr>
       <p:sp>
         <p:nvSpPr>
-          <p:cNvPr id="2" name="Title 1"/>
+          <p:cNvPr id="7" name="Text Placeholder 12">
+            <a:extLst>
+              <a:ext uri="{FF2B5EF4-FFF2-40B4-BE49-F238E27FC236}">
+                <a16:creationId xmlns:a16="http://schemas.microsoft.com/office/drawing/2014/main" id="{82554C09-2158-4702-9B4A-E0C68913C689}"/>
+              </a:ext>
+            </a:extLst>
+          </p:cNvPr>
+          <p:cNvSpPr>
+            <a:spLocks noGrp="1"/>
+          </p:cNvSpPr>
+          <p:nvPr>
+            <p:ph idx="1"/>
+          </p:nvPr>
+        </p:nvSpPr>
+        <p:spPr bwMode="auto">
+          <a:xfrm>
+            <a:off x="609600" y="1066799"/>
+            <a:ext cx="5486400" cy="5181599"/>
+          </a:xfrm>
+          <a:prstGeom prst="rect">
+            <a:avLst/>
+          </a:prstGeom>
+          <a:noFill/>
+          <a:ln>
+            <a:noFill/>
+          </a:ln>
+          <a:extLst>
+            <a:ext uri="{909E8E84-426E-40DD-AFC4-6F175D3DCCD1}">
+              <a14:hiddenFill xmlns:a14="http://schemas.microsoft.com/office/drawing/2010/main">
+                <a:solidFill>
+                  <a:srgbClr val="FFFFFF"/>
+                </a:solidFill>
+              </a14:hiddenFill>
+            </a:ext>
+            <a:ext uri="{91240B29-F687-4F45-9708-019B960494DF}">
+              <a14:hiddenLine xmlns:a14="http://schemas.microsoft.com/office/drawing/2010/main" w="9525">
+                <a:solidFill>
+                  <a:srgbClr val="000000"/>
+                </a:solidFill>
+                <a:miter lim="800000"/>
+                <a:headEnd/>
+                <a:tailEnd/>
+              </a14:hiddenLine>
+            </a:ext>
+          </a:extLst>
+        </p:spPr>
+        <p:txBody>
+          <a:bodyPr vert="horz" wrap="square" lIns="91440" tIns="45720" rIns="91440" bIns="45720" numCol="1" anchor="t" anchorCtr="0" compatLnSpc="1">
+            <a:prstTxWarp prst="textNoShape">
+              <a:avLst/>
+            </a:prstTxWarp>
+          </a:bodyPr>
+          <a:lstStyle>
+            <a:lvl1pPr>
+              <a:defRPr baseline="0">
+                <a:latin typeface="+mn-lt"/>
+              </a:defRPr>
+            </a:lvl1pPr>
+            <a:lvl2pPr>
+              <a:defRPr baseline="0">
+                <a:latin typeface="+mn-lt"/>
+              </a:defRPr>
+            </a:lvl2pPr>
+            <a:lvl3pPr>
+              <a:defRPr baseline="0">
+                <a:latin typeface="+mn-lt"/>
+              </a:defRPr>
+            </a:lvl3pPr>
+            <a:lvl4pPr>
+              <a:defRPr baseline="0">
+                <a:latin typeface="+mn-lt"/>
+              </a:defRPr>
+            </a:lvl4pPr>
+            <a:lvl5pPr>
+              <a:defRPr baseline="0">
+                <a:latin typeface="+mn-lt"/>
+              </a:defRPr>
+            </a:lvl5pPr>
+          </a:lstStyle>
+          <a:p>
+            <a:pPr lvl="0"/>
+            <a:r>
+              <a:rPr lang="zh-CN" altLang="en-US"/>
+              <a:t>编辑母版文本样式</a:t>
+            </a:r>
+          </a:p>
+          <a:p>
+            <a:pPr lvl="1"/>
+            <a:r>
+              <a:rPr lang="zh-CN" altLang="en-US"/>
+              <a:t>第二级</a:t>
+            </a:r>
+          </a:p>
+          <a:p>
+            <a:pPr lvl="2"/>
+            <a:r>
+              <a:rPr lang="zh-CN" altLang="en-US"/>
+              <a:t>第三级</a:t>
+            </a:r>
+          </a:p>
+          <a:p>
+            <a:pPr lvl="3"/>
+            <a:r>
+              <a:rPr lang="zh-CN" altLang="en-US"/>
+              <a:t>第四级</a:t>
+            </a:r>
+          </a:p>
+        </p:txBody>
+      </p:sp>
+      <p:sp>
+        <p:nvSpPr>
+          <p:cNvPr id="8" name="Text Placeholder 12">
+            <a:extLst>
+              <a:ext uri="{FF2B5EF4-FFF2-40B4-BE49-F238E27FC236}">
+                <a16:creationId xmlns:a16="http://schemas.microsoft.com/office/drawing/2014/main" id="{6DDB8618-EAD8-4F6C-91B0-8D6B79685A8E}"/>
+              </a:ext>
+            </a:extLst>
+          </p:cNvPr>
+          <p:cNvSpPr>
+            <a:spLocks noGrp="1"/>
+          </p:cNvSpPr>
+          <p:nvPr>
+            <p:ph idx="10"/>
+          </p:nvPr>
+        </p:nvSpPr>
+        <p:spPr bwMode="auto">
+          <a:xfrm>
+            <a:off x="6248400" y="1066800"/>
+            <a:ext cx="5334000" cy="5181598"/>
+          </a:xfrm>
+          <a:prstGeom prst="rect">
+            <a:avLst/>
+          </a:prstGeom>
+          <a:noFill/>
+          <a:ln>
+            <a:noFill/>
+          </a:ln>
+          <a:extLst>
+            <a:ext uri="{909E8E84-426E-40DD-AFC4-6F175D3DCCD1}">
+              <a14:hiddenFill xmlns:a14="http://schemas.microsoft.com/office/drawing/2010/main">
+                <a:solidFill>
+                  <a:srgbClr val="FFFFFF"/>
+                </a:solidFill>
+              </a14:hiddenFill>
+            </a:ext>
+            <a:ext uri="{91240B29-F687-4F45-9708-019B960494DF}">
+              <a14:hiddenLine xmlns:a14="http://schemas.microsoft.com/office/drawing/2010/main" w="9525">
+                <a:solidFill>
+                  <a:srgbClr val="000000"/>
+                </a:solidFill>
+                <a:miter lim="800000"/>
+                <a:headEnd/>
+                <a:tailEnd/>
+              </a14:hiddenLine>
+            </a:ext>
+          </a:extLst>
+        </p:spPr>
+        <p:txBody>
+          <a:bodyPr vert="horz" wrap="square" lIns="91440" tIns="45720" rIns="91440" bIns="45720" numCol="1" anchor="t" anchorCtr="0" compatLnSpc="1">
+            <a:prstTxWarp prst="textNoShape">
+              <a:avLst/>
+            </a:prstTxWarp>
+          </a:bodyPr>
+          <a:lstStyle/>
+          <a:p>
+            <a:pPr lvl="0"/>
+            <a:r>
+              <a:rPr lang="zh-CN" altLang="en-US"/>
+              <a:t>编辑母版文本样式</a:t>
+            </a:r>
+          </a:p>
+          <a:p>
+            <a:pPr lvl="1"/>
+            <a:r>
+              <a:rPr lang="zh-CN" altLang="en-US"/>
+              <a:t>第二级</a:t>
+            </a:r>
+          </a:p>
+          <a:p>
+            <a:pPr lvl="2"/>
+            <a:r>
+              <a:rPr lang="zh-CN" altLang="en-US"/>
+              <a:t>第三级</a:t>
+            </a:r>
+          </a:p>
+          <a:p>
+            <a:pPr lvl="3"/>
+            <a:r>
+              <a:rPr lang="zh-CN" altLang="en-US"/>
+              <a:t>第四级</a:t>
+            </a:r>
+          </a:p>
+        </p:txBody>
+      </p:sp>
+      <p:sp>
+        <p:nvSpPr>
+          <p:cNvPr id="3" name="标题 2">
+            <a:extLst>
+              <a:ext uri="{FF2B5EF4-FFF2-40B4-BE49-F238E27FC236}">
+                <a16:creationId xmlns:a16="http://schemas.microsoft.com/office/drawing/2014/main" id="{63866493-C33C-47CF-99CE-6E19EE056D71}"/>
+              </a:ext>
+            </a:extLst>
+          </p:cNvPr>
           <p:cNvSpPr>
             <a:spLocks noGrp="1"/>
           </p:cNvSpPr>
@@ -2071,150 +2376,71 @@
             <p:ph type="title"/>
           </p:nvPr>
         </p:nvSpPr>
-        <p:spPr>
-          <a:xfrm>
-            <a:off x="609600" y="228600"/>
-            <a:ext cx="10972800" cy="914400"/>
-          </a:xfrm>
-        </p:spPr>
+        <p:spPr/>
         <p:txBody>
           <a:bodyPr/>
           <a:lstStyle/>
           <a:p>
             <a:r>
-              <a:rPr lang="en-US" dirty="0"/>
-              <a:t>Click to edit Master title style</a:t>
-            </a:r>
+              <a:rPr lang="zh-CN" altLang="en-US"/>
+              <a:t>单击此处编辑母版标题样式</a:t>
+            </a:r>
+            <a:endParaRPr lang="zh-CN" altLang="en-US" dirty="0"/>
           </a:p>
         </p:txBody>
       </p:sp>
-      <p:sp>
-        <p:nvSpPr>
-          <p:cNvPr id="9" name="Content Placeholder 8"/>
-          <p:cNvSpPr>
-            <a:spLocks noGrp="1"/>
-          </p:cNvSpPr>
-          <p:nvPr>
-            <p:ph sz="quarter" idx="1"/>
-          </p:nvPr>
-        </p:nvSpPr>
+      <p:cxnSp>
+        <p:nvCxnSpPr>
+          <p:cNvPr id="6" name="直接连接符 5">
+            <a:extLst>
+              <a:ext uri="{FF2B5EF4-FFF2-40B4-BE49-F238E27FC236}">
+                <a16:creationId xmlns:a16="http://schemas.microsoft.com/office/drawing/2014/main" id="{8BBF6941-949E-4A04-9A27-6C5758225CF1}"/>
+              </a:ext>
+            </a:extLst>
+          </p:cNvPr>
+          <p:cNvCxnSpPr/>
+          <p:nvPr/>
+        </p:nvCxnSpPr>
         <p:spPr>
           <a:xfrm>
-            <a:off x="609600" y="1219200"/>
-            <a:ext cx="5388864" cy="4937760"/>
+            <a:off x="6172200" y="1066800"/>
+            <a:ext cx="0" cy="5181600"/>
           </a:xfrm>
+          <a:prstGeom prst="line">
+            <a:avLst/>
+          </a:prstGeom>
         </p:spPr>
-        <p:txBody>
-          <a:bodyPr/>
-          <a:lstStyle/>
-          <a:p>
-            <a:pPr lvl="0"/>
-            <a:r>
-              <a:rPr lang="en-US" dirty="0"/>
-              <a:t>Click to edit Master text styles</a:t>
-            </a:r>
-          </a:p>
-          <a:p>
-            <a:pPr lvl="1"/>
-            <a:r>
-              <a:rPr lang="en-US" dirty="0"/>
-              <a:t>Second level</a:t>
-            </a:r>
-          </a:p>
-          <a:p>
-            <a:pPr lvl="2"/>
-            <a:r>
-              <a:rPr lang="en-US" dirty="0"/>
-              <a:t>Third level</a:t>
-            </a:r>
-          </a:p>
-          <a:p>
-            <a:pPr lvl="3"/>
-            <a:r>
-              <a:rPr lang="en-US" dirty="0"/>
-              <a:t>Fourth level</a:t>
-            </a:r>
-          </a:p>
-          <a:p>
-            <a:pPr lvl="4"/>
-            <a:r>
-              <a:rPr lang="en-US" dirty="0"/>
-              <a:t>Fifth level</a:t>
-            </a:r>
-          </a:p>
-        </p:txBody>
-      </p:sp>
-      <p:sp>
-        <p:nvSpPr>
-          <p:cNvPr id="11" name="Content Placeholder 10"/>
-          <p:cNvSpPr>
-            <a:spLocks noGrp="1"/>
-          </p:cNvSpPr>
-          <p:nvPr>
-            <p:ph sz="quarter" idx="2"/>
-          </p:nvPr>
-        </p:nvSpPr>
-        <p:spPr>
-          <a:xfrm>
-            <a:off x="6176264" y="1216152"/>
-            <a:ext cx="5388864" cy="4937760"/>
-          </a:xfrm>
-        </p:spPr>
-        <p:txBody>
-          <a:bodyPr/>
-          <a:lstStyle/>
-          <a:p>
-            <a:pPr lvl="0"/>
-            <a:r>
-              <a:rPr lang="en-US" dirty="0"/>
-              <a:t>Click to edit Master text styles</a:t>
-            </a:r>
-          </a:p>
-          <a:p>
-            <a:pPr lvl="1"/>
-            <a:r>
-              <a:rPr lang="en-US" dirty="0"/>
-              <a:t>Second level</a:t>
-            </a:r>
-          </a:p>
-          <a:p>
-            <a:pPr lvl="2"/>
-            <a:r>
-              <a:rPr lang="en-US" dirty="0"/>
-              <a:t>Third level</a:t>
-            </a:r>
-          </a:p>
-          <a:p>
-            <a:pPr lvl="3"/>
-            <a:r>
-              <a:rPr lang="en-US" dirty="0"/>
-              <a:t>Fourth level</a:t>
-            </a:r>
-          </a:p>
-          <a:p>
-            <a:pPr lvl="4"/>
-            <a:r>
-              <a:rPr lang="en-US" dirty="0"/>
-              <a:t>Fifth level</a:t>
-            </a:r>
-          </a:p>
-        </p:txBody>
-      </p:sp>
+        <p:style>
+          <a:lnRef idx="1">
+            <a:schemeClr val="accent1"/>
+          </a:lnRef>
+          <a:fillRef idx="0">
+            <a:schemeClr val="accent1"/>
+          </a:fillRef>
+          <a:effectRef idx="0">
+            <a:schemeClr val="accent1"/>
+          </a:effectRef>
+          <a:fontRef idx="minor">
+            <a:schemeClr val="tx1"/>
+          </a:fontRef>
+        </p:style>
+      </p:cxnSp>
     </p:spTree>
     <p:extLst>
       <p:ext uri="{BB962C8B-B14F-4D97-AF65-F5344CB8AC3E}">
-        <p14:creationId xmlns:p14="http://schemas.microsoft.com/office/powerpoint/2010/main" val="3267187488"/>
+        <p14:creationId xmlns:p14="http://schemas.microsoft.com/office/powerpoint/2010/main" val="575170522"/>
       </p:ext>
     </p:extLst>
   </p:cSld>
   <p:clrMapOvr>
     <a:masterClrMapping/>
   </p:clrMapOvr>
+  <p:hf hdr="0" ftr="0" dt="0"/>
 </p:sldLayout>
 </file>
 
 <file path=ppt/slideLayouts/slideLayout6.xml><?xml version="1.0" encoding="utf-8"?>
-<p:sldLayout xmlns:a="http://schemas.openxmlformats.org/drawingml/2006/main" xmlns:r="http://schemas.openxmlformats.org/officeDocument/2006/relationships" xmlns:p="http://schemas.openxmlformats.org/presentationml/2006/main" preserve="1" userDrawn="1">
+<p:sldLayout xmlns:a="http://schemas.openxmlformats.org/drawingml/2006/main" xmlns:r="http://schemas.openxmlformats.org/officeDocument/2006/relationships" xmlns:p="http://schemas.openxmlformats.org/presentationml/2006/main" preserve="1">
   <p:cSld name="Two Content Text_IMG">
     <p:spTree>
       <p:nvGrpSpPr>
@@ -2232,7 +2458,124 @@
       </p:grpSpPr>
       <p:sp>
         <p:nvSpPr>
-          <p:cNvPr id="2" name="Title 1"/>
+          <p:cNvPr id="7" name="Text Placeholder 12">
+            <a:extLst>
+              <a:ext uri="{FF2B5EF4-FFF2-40B4-BE49-F238E27FC236}">
+                <a16:creationId xmlns:a16="http://schemas.microsoft.com/office/drawing/2014/main" id="{82554C09-2158-4702-9B4A-E0C68913C689}"/>
+              </a:ext>
+            </a:extLst>
+          </p:cNvPr>
+          <p:cNvSpPr>
+            <a:spLocks noGrp="1"/>
+          </p:cNvSpPr>
+          <p:nvPr>
+            <p:ph idx="1"/>
+          </p:nvPr>
+        </p:nvSpPr>
+        <p:spPr bwMode="auto">
+          <a:xfrm>
+            <a:off x="609599" y="990600"/>
+            <a:ext cx="5885794" cy="5410200"/>
+          </a:xfrm>
+          <a:prstGeom prst="rect">
+            <a:avLst/>
+          </a:prstGeom>
+          <a:noFill/>
+          <a:ln>
+            <a:noFill/>
+          </a:ln>
+          <a:extLst>
+            <a:ext uri="{909E8E84-426E-40DD-AFC4-6F175D3DCCD1}">
+              <a14:hiddenFill xmlns:a14="http://schemas.microsoft.com/office/drawing/2010/main">
+                <a:solidFill>
+                  <a:srgbClr val="FFFFFF"/>
+                </a:solidFill>
+              </a14:hiddenFill>
+            </a:ext>
+            <a:ext uri="{91240B29-F687-4F45-9708-019B960494DF}">
+              <a14:hiddenLine xmlns:a14="http://schemas.microsoft.com/office/drawing/2010/main" w="9525">
+                <a:solidFill>
+                  <a:srgbClr val="000000"/>
+                </a:solidFill>
+                <a:miter lim="800000"/>
+                <a:headEnd/>
+                <a:tailEnd/>
+              </a14:hiddenLine>
+            </a:ext>
+          </a:extLst>
+        </p:spPr>
+        <p:txBody>
+          <a:bodyPr vert="horz" wrap="square" lIns="91440" tIns="45720" rIns="91440" bIns="45720" numCol="1" anchor="t" anchorCtr="0" compatLnSpc="1">
+            <a:prstTxWarp prst="textNoShape">
+              <a:avLst/>
+            </a:prstTxWarp>
+          </a:bodyPr>
+          <a:lstStyle>
+            <a:lvl1pPr>
+              <a:defRPr baseline="0">
+                <a:latin typeface="+mn-lt"/>
+              </a:defRPr>
+            </a:lvl1pPr>
+            <a:lvl2pPr>
+              <a:defRPr baseline="0">
+                <a:latin typeface="+mn-lt"/>
+              </a:defRPr>
+            </a:lvl2pPr>
+            <a:lvl3pPr>
+              <a:defRPr baseline="0">
+                <a:latin typeface="+mn-lt"/>
+              </a:defRPr>
+            </a:lvl3pPr>
+            <a:lvl4pPr>
+              <a:defRPr baseline="0">
+                <a:latin typeface="+mn-lt"/>
+              </a:defRPr>
+            </a:lvl4pPr>
+            <a:lvl5pPr>
+              <a:defRPr baseline="0">
+                <a:latin typeface="+mn-lt"/>
+              </a:defRPr>
+            </a:lvl5pPr>
+          </a:lstStyle>
+          <a:p>
+            <a:pPr lvl="0"/>
+            <a:r>
+              <a:rPr lang="zh-CN" altLang="en-US"/>
+              <a:t>编辑母版文本样式</a:t>
+            </a:r>
+          </a:p>
+          <a:p>
+            <a:pPr lvl="1"/>
+            <a:r>
+              <a:rPr lang="zh-CN" altLang="en-US"/>
+              <a:t>第二级</a:t>
+            </a:r>
+          </a:p>
+          <a:p>
+            <a:pPr lvl="2"/>
+            <a:r>
+              <a:rPr lang="zh-CN" altLang="en-US"/>
+              <a:t>第三级</a:t>
+            </a:r>
+          </a:p>
+          <a:p>
+            <a:pPr lvl="3"/>
+            <a:r>
+              <a:rPr lang="zh-CN" altLang="en-US"/>
+              <a:t>第四级</a:t>
+            </a:r>
+          </a:p>
+        </p:txBody>
+      </p:sp>
+      <p:sp>
+        <p:nvSpPr>
+          <p:cNvPr id="3" name="标题 2">
+            <a:extLst>
+              <a:ext uri="{FF2B5EF4-FFF2-40B4-BE49-F238E27FC236}">
+                <a16:creationId xmlns:a16="http://schemas.microsoft.com/office/drawing/2014/main" id="{63866493-C33C-47CF-99CE-6E19EE056D71}"/>
+              </a:ext>
+            </a:extLst>
+          </p:cNvPr>
           <p:cNvSpPr>
             <a:spLocks noGrp="1"/>
           </p:cNvSpPr>
@@ -2240,82 +2583,65 @@
             <p:ph type="title"/>
           </p:nvPr>
         </p:nvSpPr>
-        <p:spPr>
-          <a:xfrm>
-            <a:off x="609600" y="228600"/>
-            <a:ext cx="10972800" cy="914400"/>
-          </a:xfrm>
-        </p:spPr>
+        <p:spPr/>
         <p:txBody>
           <a:bodyPr/>
           <a:lstStyle/>
           <a:p>
             <a:r>
-              <a:rPr lang="en-US" dirty="0"/>
-              <a:t>Click to edit Master title style</a:t>
-            </a:r>
-          </a:p>
-        </p:txBody>
-      </p:sp>
-      <p:sp>
-        <p:nvSpPr>
-          <p:cNvPr id="9" name="Content Placeholder 8"/>
-          <p:cNvSpPr>
-            <a:spLocks noGrp="1"/>
-          </p:cNvSpPr>
-          <p:nvPr>
-            <p:ph sz="quarter" idx="1"/>
-          </p:nvPr>
-        </p:nvSpPr>
-        <p:spPr>
-          <a:xfrm>
-            <a:off x="609600" y="1219200"/>
-            <a:ext cx="6299200" cy="4937760"/>
-          </a:xfrm>
-        </p:spPr>
-        <p:txBody>
-          <a:bodyPr/>
-          <a:lstStyle/>
-          <a:p>
-            <a:pPr lvl="0"/>
-            <a:r>
-              <a:rPr lang="en-US" dirty="0"/>
-              <a:t>Click to edit Master text styles</a:t>
-            </a:r>
-          </a:p>
-          <a:p>
-            <a:pPr lvl="1"/>
-            <a:r>
-              <a:rPr lang="en-US" dirty="0"/>
-              <a:t>Second level</a:t>
-            </a:r>
-          </a:p>
-          <a:p>
-            <a:pPr lvl="2"/>
-            <a:r>
-              <a:rPr lang="en-US" dirty="0"/>
-              <a:t>Third level</a:t>
-            </a:r>
-          </a:p>
-          <a:p>
-            <a:pPr lvl="3"/>
-            <a:r>
-              <a:rPr lang="en-US" dirty="0"/>
-              <a:t>Fourth level</a:t>
-            </a:r>
-          </a:p>
-          <a:p>
-            <a:pPr lvl="4"/>
-            <a:r>
-              <a:rPr lang="en-US" dirty="0"/>
-              <a:t>Fifth level</a:t>
+              <a:rPr lang="zh-CN" altLang="en-US"/>
+              <a:t>单击此处编辑母版标题样式</a:t>
             </a:r>
           </a:p>
         </p:txBody>
       </p:sp>
       <p:cxnSp>
         <p:nvCxnSpPr>
-          <p:cNvPr id="4" name="直接连接符 3"/>
+          <p:cNvPr id="4" name="直接连接符 3">
+            <a:extLst>
+              <a:ext uri="{FF2B5EF4-FFF2-40B4-BE49-F238E27FC236}">
+                <a16:creationId xmlns:a16="http://schemas.microsoft.com/office/drawing/2014/main" id="{F4E9E31A-5EEF-4165-B7AF-A4322917E67F}"/>
+              </a:ext>
+            </a:extLst>
+          </p:cNvPr>
+          <p:cNvCxnSpPr>
+            <a:cxnSpLocks/>
+          </p:cNvCxnSpPr>
+          <p:nvPr/>
+        </p:nvCxnSpPr>
+        <p:spPr>
+          <a:xfrm>
+            <a:off x="6553200" y="1066800"/>
+            <a:ext cx="0" cy="5334000"/>
+          </a:xfrm>
+          <a:prstGeom prst="line">
+            <a:avLst/>
+          </a:prstGeom>
+        </p:spPr>
+        <p:style>
+          <a:lnRef idx="1">
+            <a:schemeClr val="accent1"/>
+          </a:lnRef>
+          <a:fillRef idx="0">
+            <a:schemeClr val="accent1"/>
+          </a:fillRef>
+          <a:effectRef idx="0">
+            <a:schemeClr val="accent1"/>
+          </a:effectRef>
+          <a:fontRef idx="minor">
+            <a:schemeClr val="tx1"/>
+          </a:fontRef>
+        </p:style>
+      </p:cxnSp>
+      <p:cxnSp>
+        <p:nvCxnSpPr>
+          <p:cNvPr id="5" name="直接连接符 4">
+            <a:extLst>
+              <a:ext uri="{FF2B5EF4-FFF2-40B4-BE49-F238E27FC236}">
+                <a16:creationId xmlns:a16="http://schemas.microsoft.com/office/drawing/2014/main" id="{A152D07C-3C57-4D3E-A506-3F04761CF3A7}"/>
+              </a:ext>
+            </a:extLst>
+          </p:cNvPr>
           <p:cNvCxnSpPr/>
           <p:nvPr userDrawn="1"/>
         </p:nvCxnSpPr>
@@ -2346,7 +2672,7 @@
     </p:spTree>
     <p:extLst>
       <p:ext uri="{BB962C8B-B14F-4D97-AF65-F5344CB8AC3E}">
-        <p14:creationId xmlns:p14="http://schemas.microsoft.com/office/powerpoint/2010/main" val="2635019372"/>
+        <p14:creationId xmlns:p14="http://schemas.microsoft.com/office/powerpoint/2010/main" val="3383896080"/>
       </p:ext>
     </p:extLst>
   </p:cSld>
@@ -2357,7 +2683,7 @@
 </file>
 
 <file path=ppt/slideLayouts/slideLayout7.xml><?xml version="1.0" encoding="utf-8"?>
-<p:sldLayout xmlns:a="http://schemas.openxmlformats.org/drawingml/2006/main" xmlns:r="http://schemas.openxmlformats.org/officeDocument/2006/relationships" xmlns:p="http://schemas.openxmlformats.org/presentationml/2006/main" showMasterSp="0" preserve="1" userDrawn="1">
+<p:sldLayout xmlns:a="http://schemas.openxmlformats.org/drawingml/2006/main" xmlns:r="http://schemas.openxmlformats.org/officeDocument/2006/relationships" xmlns:p="http://schemas.openxmlformats.org/presentationml/2006/main" showMasterSp="0" preserve="1">
   <p:cSld name="empty">
     <p:spTree>
       <p:nvGrpSpPr>
@@ -2376,72 +2702,7 @@
     </p:spTree>
     <p:extLst>
       <p:ext uri="{BB962C8B-B14F-4D97-AF65-F5344CB8AC3E}">
-        <p14:creationId xmlns:p14="http://schemas.microsoft.com/office/powerpoint/2010/main" val="882683792"/>
-      </p:ext>
-    </p:extLst>
-  </p:cSld>
-  <p:clrMapOvr>
-    <a:masterClrMapping/>
-  </p:clrMapOvr>
-</p:sldLayout>
-</file>
-
-<file path=ppt/slideLayouts/slideLayout8.xml><?xml version="1.0" encoding="utf-8"?>
-<p:sldLayout xmlns:a="http://schemas.openxmlformats.org/drawingml/2006/main" xmlns:r="http://schemas.openxmlformats.org/officeDocument/2006/relationships" xmlns:p="http://schemas.openxmlformats.org/presentationml/2006/main" preserve="1" userDrawn="1">
-  <p:cSld name="End">
-    <p:spTree>
-      <p:nvGrpSpPr>
-        <p:cNvPr id="1" name=""/>
-        <p:cNvGrpSpPr/>
-        <p:nvPr/>
-      </p:nvGrpSpPr>
-      <p:grpSpPr>
-        <a:xfrm>
-          <a:off x="0" y="0"/>
-          <a:ext cx="0" cy="0"/>
-          <a:chOff x="0" y="0"/>
-          <a:chExt cx="0" cy="0"/>
-        </a:xfrm>
-      </p:grpSpPr>
-      <p:sp>
-        <p:nvSpPr>
-          <p:cNvPr id="4" name="Rectangle 3"/>
-          <p:cNvSpPr/>
-          <p:nvPr userDrawn="1"/>
-        </p:nvSpPr>
-        <p:spPr>
-          <a:xfrm>
-            <a:off x="4876800" y="3048003"/>
-            <a:ext cx="3048000" cy="646331"/>
-          </a:xfrm>
-          <a:prstGeom prst="rect">
-            <a:avLst/>
-          </a:prstGeom>
-        </p:spPr>
-        <p:txBody>
-          <a:bodyPr wrap="square">
-            <a:spAutoFit/>
-          </a:bodyPr>
-          <a:lstStyle/>
-          <a:p>
-            <a:r>
-              <a:rPr lang="zh-CN" altLang="en-US" sz="3600" dirty="0">
-                <a:latin typeface="华文楷体" panose="02010600040101010101" pitchFamily="2" charset="-122"/>
-                <a:ea typeface="华文楷体" panose="02010600040101010101" pitchFamily="2" charset="-122"/>
-              </a:rPr>
-              <a:t>谢  谢</a:t>
-            </a:r>
-            <a:endParaRPr lang="en-US" altLang="zh-CN" sz="3600" dirty="0">
-              <a:latin typeface="华文楷体" panose="02010600040101010101" pitchFamily="2" charset="-122"/>
-              <a:ea typeface="华文楷体" panose="02010600040101010101" pitchFamily="2" charset="-122"/>
-            </a:endParaRPr>
-          </a:p>
-        </p:txBody>
-      </p:sp>
-    </p:spTree>
-    <p:extLst>
-      <p:ext uri="{BB962C8B-B14F-4D97-AF65-F5344CB8AC3E}">
-        <p14:creationId xmlns:p14="http://schemas.microsoft.com/office/powerpoint/2010/main" val="1698082951"/>
+        <p14:creationId xmlns:p14="http://schemas.microsoft.com/office/powerpoint/2010/main" val="1441153459"/>
       </p:ext>
     </p:extLst>
   </p:cSld>
@@ -2452,7 +2713,7 @@
 </file>
 
 <file path=ppt/slideMasters/slideMaster1.xml><?xml version="1.0" encoding="utf-8"?>
-<p:sldMaster xmlns:a="http://schemas.openxmlformats.org/drawingml/2006/main" xmlns:r="http://schemas.openxmlformats.org/officeDocument/2006/relationships" xmlns:p="http://schemas.openxmlformats.org/presentationml/2006/main">
+<p:sldMaster xmlns:a="http://schemas.openxmlformats.org/drawingml/2006/main" xmlns:r="http://schemas.openxmlformats.org/officeDocument/2006/relationships" xmlns:p="http://schemas.openxmlformats.org/presentationml/2006/main" preserve="1">
   <p:cSld>
     <p:bg>
       <p:bgPr>
@@ -2488,8 +2749,8 @@
         </p:nvSpPr>
         <p:spPr bwMode="auto">
           <a:xfrm>
-            <a:off x="609600" y="152400"/>
-            <a:ext cx="10972800" cy="990600"/>
+            <a:off x="609600" y="152401"/>
+            <a:ext cx="10972800" cy="733410"/>
           </a:xfrm>
           <a:prstGeom prst="rect">
             <a:avLst/>
@@ -2499,15 +2760,15 @@
             <a:noFill/>
           </a:ln>
           <a:extLst>
-            <a:ext uri="{909E8E84-426E-40dd-AFC4-6F175D3DCCD1}">
-              <a14:hiddenFill xmlns:a14="http://schemas.microsoft.com/office/drawing/2010/main" xmlns="">
+            <a:ext uri="{909E8E84-426E-40DD-AFC4-6F175D3DCCD1}">
+              <a14:hiddenFill xmlns:a14="http://schemas.microsoft.com/office/drawing/2010/main">
                 <a:solidFill>
                   <a:srgbClr val="FFFFFF"/>
                 </a:solidFill>
               </a14:hiddenFill>
             </a:ext>
-            <a:ext uri="{91240B29-F687-4f45-9708-019B960494DF}">
-              <a14:hiddenLine xmlns:a14="http://schemas.microsoft.com/office/drawing/2010/main" xmlns="" w="9525">
+            <a:ext uri="{91240B29-F687-4F45-9708-019B960494DF}">
+              <a14:hiddenLine xmlns:a14="http://schemas.microsoft.com/office/drawing/2010/main" w="9525">
                 <a:solidFill>
                   <a:srgbClr val="000000"/>
                 </a:solidFill>
@@ -2528,9 +2789,10 @@
           <a:p>
             <a:pPr lvl="0"/>
             <a:r>
-              <a:rPr lang="en-US" altLang="zh-CN" dirty="0"/>
-              <a:t>Click to edit Master title style</a:t>
-            </a:r>
+              <a:rPr lang="zh-CN" altLang="en-US" dirty="0"/>
+              <a:t>单击此处编辑母版标题样式</a:t>
+            </a:r>
+            <a:endParaRPr lang="en-US" altLang="zh-CN" dirty="0"/>
           </a:p>
         </p:txBody>
       </p:sp>
@@ -2546,8 +2808,8 @@
         </p:nvSpPr>
         <p:spPr bwMode="auto">
           <a:xfrm>
-            <a:off x="609600" y="1219200"/>
-            <a:ext cx="10972800" cy="4910138"/>
+            <a:off x="609600" y="990599"/>
+            <a:ext cx="10972800" cy="5410197"/>
           </a:xfrm>
           <a:prstGeom prst="rect">
             <a:avLst/>
@@ -2557,15 +2819,15 @@
             <a:noFill/>
           </a:ln>
           <a:extLst>
-            <a:ext uri="{909E8E84-426E-40dd-AFC4-6F175D3DCCD1}">
-              <a14:hiddenFill xmlns:a14="http://schemas.microsoft.com/office/drawing/2010/main" xmlns="">
+            <a:ext uri="{909E8E84-426E-40DD-AFC4-6F175D3DCCD1}">
+              <a14:hiddenFill xmlns:a14="http://schemas.microsoft.com/office/drawing/2010/main">
                 <a:solidFill>
                   <a:srgbClr val="FFFFFF"/>
                 </a:solidFill>
               </a14:hiddenFill>
             </a:ext>
-            <a:ext uri="{91240B29-F687-4f45-9708-019B960494DF}">
-              <a14:hiddenLine xmlns:a14="http://schemas.microsoft.com/office/drawing/2010/main" xmlns="" w="9525">
+            <a:ext uri="{91240B29-F687-4F45-9708-019B960494DF}">
+              <a14:hiddenLine xmlns:a14="http://schemas.microsoft.com/office/drawing/2010/main" w="9525">
                 <a:solidFill>
                   <a:srgbClr val="000000"/>
                 </a:solidFill>
@@ -2586,37 +2848,24 @@
           <a:p>
             <a:pPr lvl="0"/>
             <a:r>
-              <a:rPr lang="en-US" altLang="zh-CN" dirty="0"/>
-              <a:t>Click to edit Master text styles</a:t>
+              <a:rPr lang="zh-CN" altLang="en-US" dirty="0"/>
+              <a:t>编辑母版文本样式</a:t>
             </a:r>
           </a:p>
           <a:p>
             <a:pPr lvl="1"/>
             <a:r>
-              <a:rPr lang="en-US" altLang="zh-CN" dirty="0"/>
-              <a:t>Second level</a:t>
+              <a:rPr lang="zh-CN" altLang="en-US" dirty="0"/>
+              <a:t>第二级</a:t>
             </a:r>
           </a:p>
           <a:p>
             <a:pPr lvl="2"/>
             <a:r>
-              <a:rPr lang="en-US" altLang="zh-CN" dirty="0"/>
-              <a:t>Third level</a:t>
-            </a:r>
-          </a:p>
-          <a:p>
-            <a:pPr lvl="3"/>
-            <a:r>
-              <a:rPr lang="en-US" altLang="zh-CN" dirty="0"/>
-              <a:t>Fourth level</a:t>
-            </a:r>
-          </a:p>
-          <a:p>
-            <a:pPr lvl="4"/>
-            <a:r>
-              <a:rPr lang="en-US" altLang="zh-CN" dirty="0"/>
-              <a:t>Fifth level</a:t>
-            </a:r>
+              <a:rPr lang="zh-CN" altLang="en-US" dirty="0"/>
+              <a:t>第三级</a:t>
+            </a:r>
+            <a:endParaRPr lang="en-US" altLang="zh-CN" dirty="0"/>
           </a:p>
         </p:txBody>
       </p:sp>
@@ -2630,7 +2879,296 @@
         </p:nvSpPr>
         <p:spPr bwMode="auto">
           <a:xfrm>
-            <a:off x="609600" y="1143000"/>
+            <a:off x="609600" y="898949"/>
+            <a:ext cx="10972800" cy="0"/>
+          </a:xfrm>
+          <a:prstGeom prst="line">
+            <a:avLst/>
+          </a:prstGeom>
+          <a:noFill/>
+          <a:ln w="9525" algn="ctr">
+            <a:solidFill>
+              <a:schemeClr val="accent2"/>
+            </a:solidFill>
+            <a:prstDash val="dash"/>
+            <a:round/>
+            <a:headEnd/>
+            <a:tailEnd/>
+          </a:ln>
+          <a:extLst>
+            <a:ext uri="{909E8E84-426E-40DD-AFC4-6F175D3DCCD1}">
+              <a14:hiddenFill xmlns:a14="http://schemas.microsoft.com/office/drawing/2010/main">
+                <a:noFill/>
+              </a14:hiddenFill>
+            </a:ext>
+          </a:extLst>
+        </p:spPr>
+        <p:txBody>
+          <a:bodyPr/>
+          <a:lstStyle/>
+          <a:p>
+            <a:endParaRPr lang="zh-CN" altLang="en-US"/>
+          </a:p>
+        </p:txBody>
+      </p:sp>
+      <p:sp>
+        <p:nvSpPr>
+          <p:cNvPr id="9" name="Footer Placeholder 2">
+            <a:extLst>
+              <a:ext uri="{FF2B5EF4-FFF2-40B4-BE49-F238E27FC236}">
+                <a16:creationId xmlns:a16="http://schemas.microsoft.com/office/drawing/2014/main" id="{B4DA9BC6-43CA-408A-BEB7-8746EA49C870}"/>
+              </a:ext>
+            </a:extLst>
+          </p:cNvPr>
+          <p:cNvSpPr txBox="1">
+            <a:spLocks/>
+          </p:cNvSpPr>
+          <p:nvPr/>
+        </p:nvSpPr>
+        <p:spPr>
+          <a:xfrm>
+            <a:off x="4114800" y="6492875"/>
+            <a:ext cx="3962400" cy="365125"/>
+          </a:xfrm>
+          <a:prstGeom prst="rect">
+            <a:avLst/>
+          </a:prstGeom>
+        </p:spPr>
+        <p:txBody>
+          <a:bodyPr vert="horz" wrap="square" lIns="0" tIns="0" rIns="0" bIns="0" numCol="1" anchor="ctr" anchorCtr="0" compatLnSpc="1">
+            <a:prstTxWarp prst="textNoShape">
+              <a:avLst/>
+            </a:prstTxWarp>
+          </a:bodyPr>
+          <a:lstStyle>
+            <a:defPPr>
+              <a:defRPr lang="en-US"/>
+            </a:defPPr>
+            <a:lvl1pPr algn="r" rtl="0" eaLnBrk="1" fontAlgn="base" hangingPunct="1">
+              <a:spcBef>
+                <a:spcPct val="0"/>
+              </a:spcBef>
+              <a:spcAft>
+                <a:spcPct val="0"/>
+              </a:spcAft>
+              <a:defRPr sz="1400" kern="1200">
+                <a:solidFill>
+                  <a:schemeClr val="tx2"/>
+                </a:solidFill>
+                <a:latin typeface="Cambria" panose="02040503050406030204" pitchFamily="18" charset="0"/>
+                <a:ea typeface="+mn-ea"/>
+                <a:cs typeface="Arial" panose="020B0604020202020204" pitchFamily="34" charset="0"/>
+              </a:defRPr>
+            </a:lvl1pPr>
+            <a:lvl2pPr marL="457200" algn="l" rtl="0" eaLnBrk="0" fontAlgn="base" hangingPunct="0">
+              <a:spcBef>
+                <a:spcPct val="0"/>
+              </a:spcBef>
+              <a:spcAft>
+                <a:spcPct val="0"/>
+              </a:spcAft>
+              <a:defRPr kern="1200">
+                <a:solidFill>
+                  <a:schemeClr val="tx1"/>
+                </a:solidFill>
+                <a:latin typeface="Arial" panose="020B0604020202020204" pitchFamily="34" charset="0"/>
+                <a:ea typeface="+mn-ea"/>
+                <a:cs typeface="Arial" panose="020B0604020202020204" pitchFamily="34" charset="0"/>
+              </a:defRPr>
+            </a:lvl2pPr>
+            <a:lvl3pPr marL="914400" algn="l" rtl="0" eaLnBrk="0" fontAlgn="base" hangingPunct="0">
+              <a:spcBef>
+                <a:spcPct val="0"/>
+              </a:spcBef>
+              <a:spcAft>
+                <a:spcPct val="0"/>
+              </a:spcAft>
+              <a:defRPr kern="1200">
+                <a:solidFill>
+                  <a:schemeClr val="tx1"/>
+                </a:solidFill>
+                <a:latin typeface="Arial" panose="020B0604020202020204" pitchFamily="34" charset="0"/>
+                <a:ea typeface="+mn-ea"/>
+                <a:cs typeface="Arial" panose="020B0604020202020204" pitchFamily="34" charset="0"/>
+              </a:defRPr>
+            </a:lvl3pPr>
+            <a:lvl4pPr marL="1371600" algn="l" rtl="0" eaLnBrk="0" fontAlgn="base" hangingPunct="0">
+              <a:spcBef>
+                <a:spcPct val="0"/>
+              </a:spcBef>
+              <a:spcAft>
+                <a:spcPct val="0"/>
+              </a:spcAft>
+              <a:defRPr kern="1200">
+                <a:solidFill>
+                  <a:schemeClr val="tx1"/>
+                </a:solidFill>
+                <a:latin typeface="Arial" panose="020B0604020202020204" pitchFamily="34" charset="0"/>
+                <a:ea typeface="+mn-ea"/>
+                <a:cs typeface="Arial" panose="020B0604020202020204" pitchFamily="34" charset="0"/>
+              </a:defRPr>
+            </a:lvl4pPr>
+            <a:lvl5pPr marL="1828800" algn="l" rtl="0" eaLnBrk="0" fontAlgn="base" hangingPunct="0">
+              <a:spcBef>
+                <a:spcPct val="0"/>
+              </a:spcBef>
+              <a:spcAft>
+                <a:spcPct val="0"/>
+              </a:spcAft>
+              <a:defRPr kern="1200">
+                <a:solidFill>
+                  <a:schemeClr val="tx1"/>
+                </a:solidFill>
+                <a:latin typeface="Arial" panose="020B0604020202020204" pitchFamily="34" charset="0"/>
+                <a:ea typeface="+mn-ea"/>
+                <a:cs typeface="Arial" panose="020B0604020202020204" pitchFamily="34" charset="0"/>
+              </a:defRPr>
+            </a:lvl5pPr>
+            <a:lvl6pPr marL="2286000" algn="l" defTabSz="914400" rtl="0" eaLnBrk="1" latinLnBrk="0" hangingPunct="1">
+              <a:defRPr kern="1200">
+                <a:solidFill>
+                  <a:schemeClr val="tx1"/>
+                </a:solidFill>
+                <a:latin typeface="Arial" panose="020B0604020202020204" pitchFamily="34" charset="0"/>
+                <a:ea typeface="+mn-ea"/>
+                <a:cs typeface="Arial" panose="020B0604020202020204" pitchFamily="34" charset="0"/>
+              </a:defRPr>
+            </a:lvl6pPr>
+            <a:lvl7pPr marL="2743200" algn="l" defTabSz="914400" rtl="0" eaLnBrk="1" latinLnBrk="0" hangingPunct="1">
+              <a:defRPr kern="1200">
+                <a:solidFill>
+                  <a:schemeClr val="tx1"/>
+                </a:solidFill>
+                <a:latin typeface="Arial" panose="020B0604020202020204" pitchFamily="34" charset="0"/>
+                <a:ea typeface="+mn-ea"/>
+                <a:cs typeface="Arial" panose="020B0604020202020204" pitchFamily="34" charset="0"/>
+              </a:defRPr>
+            </a:lvl7pPr>
+            <a:lvl8pPr marL="3200400" algn="l" defTabSz="914400" rtl="0" eaLnBrk="1" latinLnBrk="0" hangingPunct="1">
+              <a:defRPr kern="1200">
+                <a:solidFill>
+                  <a:schemeClr val="tx1"/>
+                </a:solidFill>
+                <a:latin typeface="Arial" panose="020B0604020202020204" pitchFamily="34" charset="0"/>
+                <a:ea typeface="+mn-ea"/>
+                <a:cs typeface="Arial" panose="020B0604020202020204" pitchFamily="34" charset="0"/>
+              </a:defRPr>
+            </a:lvl8pPr>
+            <a:lvl9pPr marL="3657600" algn="l" defTabSz="914400" rtl="0" eaLnBrk="1" latinLnBrk="0" hangingPunct="1">
+              <a:defRPr kern="1200">
+                <a:solidFill>
+                  <a:schemeClr val="tx1"/>
+                </a:solidFill>
+                <a:latin typeface="Arial" panose="020B0604020202020204" pitchFamily="34" charset="0"/>
+                <a:ea typeface="+mn-ea"/>
+                <a:cs typeface="Arial" panose="020B0604020202020204" pitchFamily="34" charset="0"/>
+              </a:defRPr>
+            </a:lvl9pPr>
+          </a:lstStyle>
+          <a:p>
+            <a:pPr algn="ctr">
+              <a:defRPr/>
+            </a:pPr>
+            <a:r>
+              <a:rPr lang="en-US" altLang="zh-CN" sz="1400" dirty="0">
+                <a:latin typeface="+mn-ea"/>
+                <a:ea typeface="+mn-ea"/>
+              </a:rPr>
+              <a:t>《</a:t>
+            </a:r>
+            <a:r>
+              <a:rPr lang="zh-CN" altLang="en-US" sz="1400" dirty="0">
+                <a:latin typeface="+mn-ea"/>
+                <a:ea typeface="+mn-ea"/>
+              </a:rPr>
+              <a:t>神经网络与深度学习</a:t>
+            </a:r>
+            <a:r>
+              <a:rPr lang="en-US" altLang="zh-CN" sz="1400" dirty="0">
+                <a:latin typeface="+mn-ea"/>
+                <a:ea typeface="+mn-ea"/>
+              </a:rPr>
+              <a:t>》</a:t>
+            </a:r>
+            <a:endParaRPr lang="zh-CN" altLang="zh-CN" sz="1400" dirty="0">
+              <a:latin typeface="+mn-ea"/>
+              <a:ea typeface="+mn-ea"/>
+            </a:endParaRPr>
+          </a:p>
+        </p:txBody>
+      </p:sp>
+      <p:sp>
+        <p:nvSpPr>
+          <p:cNvPr id="13" name="Rectangle 17">
+            <a:extLst>
+              <a:ext uri="{FF2B5EF4-FFF2-40B4-BE49-F238E27FC236}">
+                <a16:creationId xmlns:a16="http://schemas.microsoft.com/office/drawing/2014/main" id="{5ED38AFC-6FCA-41F0-B286-064BF4E13FFB}"/>
+              </a:ext>
+            </a:extLst>
+          </p:cNvPr>
+          <p:cNvSpPr/>
+          <p:nvPr/>
+        </p:nvSpPr>
+        <p:spPr>
+          <a:xfrm>
+            <a:off x="10972800" y="6521549"/>
+            <a:ext cx="375424" cy="307777"/>
+          </a:xfrm>
+          <a:prstGeom prst="rect">
+            <a:avLst/>
+          </a:prstGeom>
+        </p:spPr>
+        <p:txBody>
+          <a:bodyPr wrap="none" anchor="ctr">
+            <a:spAutoFit/>
+          </a:bodyPr>
+          <a:lstStyle/>
+          <a:p>
+            <a:pPr>
+              <a:defRPr/>
+            </a:pPr>
+            <a:fld id="{7A0AC270-0923-4589-A51D-6091E7C5371F}" type="slidenum">
+              <a:rPr lang="zh-CN" altLang="en-US" sz="1400" kern="1200" smtClean="0">
+                <a:solidFill>
+                  <a:schemeClr val="tx2"/>
+                </a:solidFill>
+                <a:latin typeface="+mn-ea"/>
+                <a:ea typeface="+mn-ea"/>
+                <a:cs typeface="Arial" panose="020B0604020202020204" pitchFamily="34" charset="0"/>
+              </a:rPr>
+              <a:pPr>
+                <a:defRPr/>
+              </a:pPr>
+              <a:t>‹#›</a:t>
+            </a:fld>
+            <a:endParaRPr lang="en-US" altLang="zh-CN" sz="1400" kern="1200" dirty="0">
+              <a:solidFill>
+                <a:schemeClr val="tx2"/>
+              </a:solidFill>
+              <a:latin typeface="+mn-ea"/>
+              <a:ea typeface="+mn-ea"/>
+              <a:cs typeface="Arial" panose="020B0604020202020204" pitchFamily="34" charset="0"/>
+            </a:endParaRPr>
+          </a:p>
+        </p:txBody>
+      </p:sp>
+      <p:sp>
+        <p:nvSpPr>
+          <p:cNvPr id="12" name="Straight Connector 27">
+            <a:extLst>
+              <a:ext uri="{FF2B5EF4-FFF2-40B4-BE49-F238E27FC236}">
+                <a16:creationId xmlns:a16="http://schemas.microsoft.com/office/drawing/2014/main" id="{D59285DE-C1F6-4B21-8CFE-2BDB4A08D1BB}"/>
+              </a:ext>
+            </a:extLst>
+          </p:cNvPr>
+          <p:cNvSpPr>
+            <a:spLocks noChangeShapeType="1"/>
+          </p:cNvSpPr>
+          <p:nvPr/>
+        </p:nvSpPr>
+        <p:spPr bwMode="auto">
+          <a:xfrm>
+            <a:off x="609600" y="6477000"/>
             <a:ext cx="10972800" cy="0"/>
           </a:xfrm>
           <a:prstGeom prst="line">
@@ -2658,48 +3196,6 @@
           <a:bodyPr/>
           <a:lstStyle/>
           <a:p>
-            <a:endParaRPr lang="zh-CN" altLang="en-US"/>
-          </a:p>
-        </p:txBody>
-      </p:sp>
-      <p:sp>
-        <p:nvSpPr>
-          <p:cNvPr id="15" name="Straight Connector 27"/>
-          <p:cNvSpPr>
-            <a:spLocks noChangeShapeType="1"/>
-          </p:cNvSpPr>
-          <p:nvPr userDrawn="1"/>
-        </p:nvSpPr>
-        <p:spPr bwMode="auto">
-          <a:xfrm>
-            <a:off x="609600" y="6353175"/>
-            <a:ext cx="10972800" cy="0"/>
-          </a:xfrm>
-          <a:prstGeom prst="line">
-            <a:avLst/>
-          </a:prstGeom>
-          <a:noFill/>
-          <a:ln w="9525" algn="ctr">
-            <a:solidFill>
-              <a:schemeClr val="accent2"/>
-            </a:solidFill>
-            <a:prstDash val="dash"/>
-            <a:round/>
-            <a:headEnd/>
-            <a:tailEnd/>
-          </a:ln>
-          <a:extLst>
-            <a:ext uri="{909E8E84-426E-40dd-AFC4-6F175D3DCCD1}">
-              <a14:hiddenFill xmlns:a14="http://schemas.microsoft.com/office/drawing/2010/main" xmlns="">
-                <a:noFill/>
-              </a14:hiddenFill>
-            </a:ext>
-          </a:extLst>
-        </p:spPr>
-        <p:txBody>
-          <a:bodyPr/>
-          <a:lstStyle/>
-          <a:p>
             <a:endParaRPr lang="zh-CN" altLang="en-US" sz="1400">
               <a:latin typeface="+mn-ea"/>
               <a:ea typeface="+mn-ea"/>
@@ -2707,373 +3203,148 @@
           </a:p>
         </p:txBody>
       </p:sp>
-      <p:sp>
-        <p:nvSpPr>
-          <p:cNvPr id="16" name="Footer Placeholder 2"/>
-          <p:cNvSpPr txBox="1">
-            <a:spLocks/>
-          </p:cNvSpPr>
-          <p:nvPr userDrawn="1"/>
-        </p:nvSpPr>
-        <p:spPr>
-          <a:xfrm>
-            <a:off x="4064000" y="6362437"/>
-            <a:ext cx="3962400" cy="365125"/>
-          </a:xfrm>
-          <a:prstGeom prst="rect">
-            <a:avLst/>
-          </a:prstGeom>
-        </p:spPr>
-        <p:txBody>
-          <a:bodyPr vert="horz" wrap="square" lIns="68580" tIns="34290" rIns="68580" bIns="34290" numCol="1" anchor="t" anchorCtr="0" compatLnSpc="1">
-            <a:prstTxWarp prst="textNoShape">
-              <a:avLst/>
-            </a:prstTxWarp>
-          </a:bodyPr>
-          <a:lstStyle>
-            <a:defPPr>
-              <a:defRPr lang="en-US"/>
-            </a:defPPr>
-            <a:lvl1pPr algn="r" rtl="0" eaLnBrk="1" fontAlgn="base" hangingPunct="1">
-              <a:spcBef>
-                <a:spcPct val="0"/>
-              </a:spcBef>
-              <a:spcAft>
-                <a:spcPct val="0"/>
-              </a:spcAft>
-              <a:defRPr sz="1400" kern="1200">
-                <a:solidFill>
-                  <a:schemeClr val="tx2"/>
-                </a:solidFill>
-                <a:latin typeface="Cambria" panose="02040503050406030204" pitchFamily="18" charset="0"/>
-                <a:ea typeface="+mn-ea"/>
-                <a:cs typeface="Arial" panose="020B0604020202020204" pitchFamily="34" charset="0"/>
-              </a:defRPr>
-            </a:lvl1pPr>
-            <a:lvl2pPr marL="457200" algn="l" rtl="0" eaLnBrk="0" fontAlgn="base" hangingPunct="0">
-              <a:spcBef>
-                <a:spcPct val="0"/>
-              </a:spcBef>
-              <a:spcAft>
-                <a:spcPct val="0"/>
-              </a:spcAft>
-              <a:defRPr kern="1200">
-                <a:solidFill>
-                  <a:schemeClr val="tx1"/>
-                </a:solidFill>
-                <a:latin typeface="Arial" panose="020B0604020202020204" pitchFamily="34" charset="0"/>
-                <a:ea typeface="+mn-ea"/>
-                <a:cs typeface="Arial" panose="020B0604020202020204" pitchFamily="34" charset="0"/>
-              </a:defRPr>
-            </a:lvl2pPr>
-            <a:lvl3pPr marL="914400" algn="l" rtl="0" eaLnBrk="0" fontAlgn="base" hangingPunct="0">
-              <a:spcBef>
-                <a:spcPct val="0"/>
-              </a:spcBef>
-              <a:spcAft>
-                <a:spcPct val="0"/>
-              </a:spcAft>
-              <a:defRPr kern="1200">
-                <a:solidFill>
-                  <a:schemeClr val="tx1"/>
-                </a:solidFill>
-                <a:latin typeface="Arial" panose="020B0604020202020204" pitchFamily="34" charset="0"/>
-                <a:ea typeface="+mn-ea"/>
-                <a:cs typeface="Arial" panose="020B0604020202020204" pitchFamily="34" charset="0"/>
-              </a:defRPr>
-            </a:lvl3pPr>
-            <a:lvl4pPr marL="1371600" algn="l" rtl="0" eaLnBrk="0" fontAlgn="base" hangingPunct="0">
-              <a:spcBef>
-                <a:spcPct val="0"/>
-              </a:spcBef>
-              <a:spcAft>
-                <a:spcPct val="0"/>
-              </a:spcAft>
-              <a:defRPr kern="1200">
-                <a:solidFill>
-                  <a:schemeClr val="tx1"/>
-                </a:solidFill>
-                <a:latin typeface="Arial" panose="020B0604020202020204" pitchFamily="34" charset="0"/>
-                <a:ea typeface="+mn-ea"/>
-                <a:cs typeface="Arial" panose="020B0604020202020204" pitchFamily="34" charset="0"/>
-              </a:defRPr>
-            </a:lvl4pPr>
-            <a:lvl5pPr marL="1828800" algn="l" rtl="0" eaLnBrk="0" fontAlgn="base" hangingPunct="0">
-              <a:spcBef>
-                <a:spcPct val="0"/>
-              </a:spcBef>
-              <a:spcAft>
-                <a:spcPct val="0"/>
-              </a:spcAft>
-              <a:defRPr kern="1200">
-                <a:solidFill>
-                  <a:schemeClr val="tx1"/>
-                </a:solidFill>
-                <a:latin typeface="Arial" panose="020B0604020202020204" pitchFamily="34" charset="0"/>
-                <a:ea typeface="+mn-ea"/>
-                <a:cs typeface="Arial" panose="020B0604020202020204" pitchFamily="34" charset="0"/>
-              </a:defRPr>
-            </a:lvl5pPr>
-            <a:lvl6pPr marL="2286000" algn="l" defTabSz="914400" rtl="0" eaLnBrk="1" latinLnBrk="0" hangingPunct="1">
-              <a:defRPr kern="1200">
-                <a:solidFill>
-                  <a:schemeClr val="tx1"/>
-                </a:solidFill>
-                <a:latin typeface="Arial" panose="020B0604020202020204" pitchFamily="34" charset="0"/>
-                <a:ea typeface="+mn-ea"/>
-                <a:cs typeface="Arial" panose="020B0604020202020204" pitchFamily="34" charset="0"/>
-              </a:defRPr>
-            </a:lvl6pPr>
-            <a:lvl7pPr marL="2743200" algn="l" defTabSz="914400" rtl="0" eaLnBrk="1" latinLnBrk="0" hangingPunct="1">
-              <a:defRPr kern="1200">
-                <a:solidFill>
-                  <a:schemeClr val="tx1"/>
-                </a:solidFill>
-                <a:latin typeface="Arial" panose="020B0604020202020204" pitchFamily="34" charset="0"/>
-                <a:ea typeface="+mn-ea"/>
-                <a:cs typeface="Arial" panose="020B0604020202020204" pitchFamily="34" charset="0"/>
-              </a:defRPr>
-            </a:lvl7pPr>
-            <a:lvl8pPr marL="3200400" algn="l" defTabSz="914400" rtl="0" eaLnBrk="1" latinLnBrk="0" hangingPunct="1">
-              <a:defRPr kern="1200">
-                <a:solidFill>
-                  <a:schemeClr val="tx1"/>
-                </a:solidFill>
-                <a:latin typeface="Arial" panose="020B0604020202020204" pitchFamily="34" charset="0"/>
-                <a:ea typeface="+mn-ea"/>
-                <a:cs typeface="Arial" panose="020B0604020202020204" pitchFamily="34" charset="0"/>
-              </a:defRPr>
-            </a:lvl8pPr>
-            <a:lvl9pPr marL="3657600" algn="l" defTabSz="914400" rtl="0" eaLnBrk="1" latinLnBrk="0" hangingPunct="1">
-              <a:defRPr kern="1200">
-                <a:solidFill>
-                  <a:schemeClr val="tx1"/>
-                </a:solidFill>
-                <a:latin typeface="Arial" panose="020B0604020202020204" pitchFamily="34" charset="0"/>
-                <a:ea typeface="+mn-ea"/>
-                <a:cs typeface="Arial" panose="020B0604020202020204" pitchFamily="34" charset="0"/>
-              </a:defRPr>
-            </a:lvl9pPr>
-          </a:lstStyle>
-          <a:p>
-            <a:pPr algn="ctr">
-              <a:defRPr/>
-            </a:pPr>
-            <a:r>
-              <a:rPr lang="en-US" altLang="zh-CN" sz="1400" dirty="0">
-                <a:latin typeface="+mn-ea"/>
-                <a:ea typeface="+mn-ea"/>
-              </a:rPr>
-              <a:t>《</a:t>
-            </a:r>
-            <a:r>
-              <a:rPr lang="zh-CN" altLang="en-US" sz="1400" dirty="0">
-                <a:latin typeface="+mn-ea"/>
-                <a:ea typeface="+mn-ea"/>
-              </a:rPr>
-              <a:t>神经网络与深度学习</a:t>
-            </a:r>
-            <a:r>
-              <a:rPr lang="en-US" altLang="zh-CN" sz="1400" dirty="0">
-                <a:latin typeface="+mn-ea"/>
-                <a:ea typeface="+mn-ea"/>
-              </a:rPr>
-              <a:t>》</a:t>
-            </a:r>
-            <a:endParaRPr lang="zh-CN" altLang="zh-CN" sz="1400" dirty="0">
-              <a:latin typeface="+mn-ea"/>
-              <a:ea typeface="+mn-ea"/>
-            </a:endParaRPr>
-          </a:p>
-        </p:txBody>
-      </p:sp>
-      <p:sp>
-        <p:nvSpPr>
-          <p:cNvPr id="18" name="Rectangle 17"/>
-          <p:cNvSpPr/>
-          <p:nvPr userDrawn="1"/>
-        </p:nvSpPr>
-        <p:spPr>
-          <a:xfrm>
-            <a:off x="10972800" y="6362437"/>
-            <a:ext cx="375424" cy="307777"/>
-          </a:xfrm>
-          <a:prstGeom prst="rect">
-            <a:avLst/>
-          </a:prstGeom>
-        </p:spPr>
-        <p:txBody>
-          <a:bodyPr wrap="none">
-            <a:spAutoFit/>
-          </a:bodyPr>
-          <a:lstStyle/>
-          <a:p>
-            <a:pPr>
-              <a:defRPr/>
-            </a:pPr>
-            <a:fld id="{7A0AC270-0923-4589-A51D-6091E7C5371F}" type="slidenum">
-              <a:rPr lang="zh-CN" altLang="en-US" sz="1400" kern="1200" smtClean="0">
-                <a:solidFill>
-                  <a:schemeClr val="tx2"/>
-                </a:solidFill>
-                <a:latin typeface="+mn-ea"/>
-                <a:ea typeface="+mn-ea"/>
-                <a:cs typeface="Arial" panose="020B0604020202020204" pitchFamily="34" charset="0"/>
-              </a:rPr>
-              <a:pPr>
-                <a:defRPr/>
-              </a:pPr>
-              <a:t>‹#›</a:t>
-            </a:fld>
-            <a:endParaRPr lang="en-US" altLang="zh-CN" sz="1400" kern="1200" dirty="0">
-              <a:solidFill>
-                <a:schemeClr val="tx2"/>
-              </a:solidFill>
-              <a:latin typeface="+mn-ea"/>
-              <a:ea typeface="+mn-ea"/>
-              <a:cs typeface="Arial" panose="020B0604020202020204" pitchFamily="34" charset="0"/>
-            </a:endParaRPr>
-          </a:p>
-        </p:txBody>
-      </p:sp>
     </p:spTree>
+    <p:extLst>
+      <p:ext uri="{BB962C8B-B14F-4D97-AF65-F5344CB8AC3E}">
+        <p14:creationId xmlns:p14="http://schemas.microsoft.com/office/powerpoint/2010/main" val="1297738532"/>
+      </p:ext>
+    </p:extLst>
   </p:cSld>
   <p:clrMap bg1="lt1" tx1="dk1" bg2="lt2" tx2="dk2" accent1="accent1" accent2="accent2" accent3="accent3" accent4="accent4" accent5="accent5" accent6="accent6" hlink="hlink" folHlink="folHlink"/>
   <p:sldLayoutIdLst>
-    <p:sldLayoutId id="2147483823" r:id="rId1"/>
-    <p:sldLayoutId id="2147483831" r:id="rId2"/>
-    <p:sldLayoutId id="2147483824" r:id="rId3"/>
-    <p:sldLayoutId id="2147483828" r:id="rId4"/>
-    <p:sldLayoutId id="2147483826" r:id="rId5"/>
-    <p:sldLayoutId id="2147483832" r:id="rId6"/>
-    <p:sldLayoutId id="2147483830" r:id="rId7"/>
-    <p:sldLayoutId id="2147483829" r:id="rId8"/>
+    <p:sldLayoutId id="2147483834" r:id="rId1"/>
+    <p:sldLayoutId id="2147483835" r:id="rId2"/>
+    <p:sldLayoutId id="2147483836" r:id="rId3"/>
+    <p:sldLayoutId id="2147483837" r:id="rId4"/>
+    <p:sldLayoutId id="2147483838" r:id="rId5"/>
+    <p:sldLayoutId id="2147483839" r:id="rId6"/>
+    <p:sldLayoutId id="2147483840" r:id="rId7"/>
   </p:sldLayoutIdLst>
   <p:hf hdr="0" ftr="0" dt="0"/>
   <p:txStyles>
     <p:titleStyle>
-      <a:lvl1pPr algn="l" rtl="0" eaLnBrk="0" fontAlgn="base" hangingPunct="0">
+      <a:lvl1pPr algn="l" rtl="0" eaLnBrk="1" fontAlgn="base" hangingPunct="1">
         <a:spcBef>
           <a:spcPct val="0"/>
         </a:spcBef>
         <a:spcAft>
           <a:spcPct val="0"/>
         </a:spcAft>
-        <a:defRPr sz="3600" kern="1200">
+        <a:defRPr sz="3200" kern="1200">
           <a:solidFill>
-            <a:schemeClr val="tx2"/>
+            <a:srgbClr val="000000"/>
           </a:solidFill>
           <a:latin typeface="+mj-lt"/>
           <a:ea typeface="+mj-ea"/>
           <a:cs typeface="+mj-cs"/>
         </a:defRPr>
       </a:lvl1pPr>
-      <a:lvl2pPr algn="l" rtl="0" eaLnBrk="0" fontAlgn="base" hangingPunct="0">
+      <a:lvl2pPr algn="l" rtl="0" eaLnBrk="1" fontAlgn="base" hangingPunct="1">
         <a:spcBef>
           <a:spcPct val="0"/>
         </a:spcBef>
         <a:spcAft>
           <a:spcPct val="0"/>
         </a:spcAft>
-        <a:defRPr sz="2700">
+        <a:defRPr sz="2025">
           <a:solidFill>
             <a:schemeClr val="tx2"/>
           </a:solidFill>
           <a:latin typeface="Calibri" panose="020F0502020204030204" pitchFamily="34" charset="0"/>
         </a:defRPr>
       </a:lvl2pPr>
-      <a:lvl3pPr algn="l" rtl="0" eaLnBrk="0" fontAlgn="base" hangingPunct="0">
+      <a:lvl3pPr algn="l" rtl="0" eaLnBrk="1" fontAlgn="base" hangingPunct="1">
         <a:spcBef>
           <a:spcPct val="0"/>
         </a:spcBef>
         <a:spcAft>
           <a:spcPct val="0"/>
         </a:spcAft>
-        <a:defRPr sz="2700">
+        <a:defRPr sz="2025">
           <a:solidFill>
             <a:schemeClr val="tx2"/>
           </a:solidFill>
           <a:latin typeface="Calibri" panose="020F0502020204030204" pitchFamily="34" charset="0"/>
         </a:defRPr>
       </a:lvl3pPr>
-      <a:lvl4pPr algn="l" rtl="0" eaLnBrk="0" fontAlgn="base" hangingPunct="0">
+      <a:lvl4pPr algn="l" rtl="0" eaLnBrk="1" fontAlgn="base" hangingPunct="1">
         <a:spcBef>
           <a:spcPct val="0"/>
         </a:spcBef>
         <a:spcAft>
           <a:spcPct val="0"/>
         </a:spcAft>
-        <a:defRPr sz="2700">
+        <a:defRPr sz="2025">
           <a:solidFill>
             <a:schemeClr val="tx2"/>
           </a:solidFill>
           <a:latin typeface="Calibri" panose="020F0502020204030204" pitchFamily="34" charset="0"/>
         </a:defRPr>
       </a:lvl4pPr>
-      <a:lvl5pPr algn="l" rtl="0" eaLnBrk="0" fontAlgn="base" hangingPunct="0">
+      <a:lvl5pPr algn="l" rtl="0" eaLnBrk="1" fontAlgn="base" hangingPunct="1">
         <a:spcBef>
           <a:spcPct val="0"/>
         </a:spcBef>
         <a:spcAft>
           <a:spcPct val="0"/>
         </a:spcAft>
-        <a:defRPr sz="2700">
+        <a:defRPr sz="2025">
           <a:solidFill>
             <a:schemeClr val="tx2"/>
           </a:solidFill>
           <a:latin typeface="Calibri" panose="020F0502020204030204" pitchFamily="34" charset="0"/>
         </a:defRPr>
       </a:lvl5pPr>
-      <a:lvl6pPr marL="342900" algn="l" rtl="0" fontAlgn="base">
+      <a:lvl6pPr marL="257175" algn="l" rtl="0" eaLnBrk="1" fontAlgn="base" hangingPunct="1">
         <a:spcBef>
           <a:spcPct val="0"/>
         </a:spcBef>
         <a:spcAft>
           <a:spcPct val="0"/>
         </a:spcAft>
-        <a:defRPr sz="2400">
+        <a:defRPr sz="1800">
           <a:solidFill>
             <a:schemeClr val="tx2"/>
           </a:solidFill>
           <a:latin typeface="Calibri" panose="020F0502020204030204" pitchFamily="34" charset="0"/>
         </a:defRPr>
       </a:lvl6pPr>
-      <a:lvl7pPr marL="685800" algn="l" rtl="0" fontAlgn="base">
+      <a:lvl7pPr marL="514350" algn="l" rtl="0" eaLnBrk="1" fontAlgn="base" hangingPunct="1">
         <a:spcBef>
           <a:spcPct val="0"/>
         </a:spcBef>
         <a:spcAft>
           <a:spcPct val="0"/>
         </a:spcAft>
-        <a:defRPr sz="2400">
+        <a:defRPr sz="1800">
           <a:solidFill>
             <a:schemeClr val="tx2"/>
           </a:solidFill>
           <a:latin typeface="Calibri" panose="020F0502020204030204" pitchFamily="34" charset="0"/>
         </a:defRPr>
       </a:lvl7pPr>
-      <a:lvl8pPr marL="1028700" algn="l" rtl="0" fontAlgn="base">
+      <a:lvl8pPr marL="771525" algn="l" rtl="0" eaLnBrk="1" fontAlgn="base" hangingPunct="1">
         <a:spcBef>
           <a:spcPct val="0"/>
         </a:spcBef>
         <a:spcAft>
           <a:spcPct val="0"/>
         </a:spcAft>
-        <a:defRPr sz="2400">
+        <a:defRPr sz="1800">
           <a:solidFill>
             <a:schemeClr val="tx2"/>
           </a:solidFill>
           <a:latin typeface="Calibri" panose="020F0502020204030204" pitchFamily="34" charset="0"/>
         </a:defRPr>
       </a:lvl8pPr>
-      <a:lvl9pPr marL="1371600" algn="l" rtl="0" fontAlgn="base">
+      <a:lvl9pPr marL="1028700" algn="l" rtl="0" eaLnBrk="1" fontAlgn="base" hangingPunct="1">
         <a:spcBef>
           <a:spcPct val="0"/>
         </a:spcBef>
         <a:spcAft>
           <a:spcPct val="0"/>
         </a:spcAft>
-        <a:defRPr sz="2400">
+        <a:defRPr sz="1800">
           <a:solidFill>
             <a:schemeClr val="tx2"/>
           </a:solidFill>
@@ -3082,75 +3353,75 @@
       </a:lvl9pPr>
     </p:titleStyle>
     <p:bodyStyle>
-      <a:lvl1pPr marL="204788" indent="-204788" algn="l" rtl="0" eaLnBrk="0" fontAlgn="base" hangingPunct="0">
+      <a:lvl1pPr marL="153591" indent="-153591" algn="l" rtl="0" eaLnBrk="1" fontAlgn="base" hangingPunct="1">
         <a:spcBef>
-          <a:spcPts val="450"/>
+          <a:spcPts val="338"/>
         </a:spcBef>
         <a:spcAft>
           <a:spcPct val="0"/>
         </a:spcAft>
         <a:buClr>
-          <a:schemeClr val="accent1"/>
+          <a:srgbClr val="000000"/>
         </a:buClr>
         <a:buSzPct val="76000"/>
         <a:buFont typeface="Wingdings 3" panose="05040102010807070707" pitchFamily="18" charset="2"/>
         <a:buChar char=""/>
-        <a:defRPr lang="en-US" altLang="zh-CN" sz="3200" kern="1200" dirty="0" smtClean="0">
+        <a:defRPr lang="en-US" altLang="zh-CN" sz="3200" kern="1200" baseline="0" dirty="0" smtClean="0">
           <a:solidFill>
-            <a:schemeClr val="tx2"/>
+            <a:srgbClr val="C00000"/>
           </a:solidFill>
-          <a:latin typeface="+mn-ea"/>
+          <a:latin typeface="+mn-lt"/>
           <a:ea typeface="+mn-ea"/>
           <a:cs typeface="Arial" panose="020B0604020202020204" pitchFamily="34" charset="0"/>
         </a:defRPr>
       </a:lvl1pPr>
-      <a:lvl2pPr marL="410766" indent="-204788" algn="l" rtl="0" eaLnBrk="0" fontAlgn="base" hangingPunct="0">
+      <a:lvl2pPr marL="308075" indent="-153591" algn="l" rtl="0" eaLnBrk="1" fontAlgn="base" hangingPunct="1">
         <a:spcBef>
-          <a:spcPts val="375"/>
+          <a:spcPts val="281"/>
         </a:spcBef>
         <a:spcAft>
           <a:spcPct val="0"/>
         </a:spcAft>
         <a:buClr>
-          <a:schemeClr val="accent2"/>
+          <a:srgbClr val="000000"/>
         </a:buClr>
         <a:buSzPct val="76000"/>
         <a:buFont typeface="Wingdings 3" panose="05040102010807070707" pitchFamily="18" charset="2"/>
         <a:buChar char=""/>
-        <a:defRPr sz="2800" kern="1200">
+        <a:defRPr sz="2800" kern="1200" baseline="0">
           <a:solidFill>
-            <a:schemeClr val="tx2"/>
+            <a:srgbClr val="000000"/>
           </a:solidFill>
-          <a:latin typeface="华文楷体" panose="02010600040101010101" pitchFamily="2" charset="-122"/>
-          <a:ea typeface="华文楷体" panose="02010600040101010101" pitchFamily="2" charset="-122"/>
+          <a:latin typeface="+mn-lt"/>
+          <a:ea typeface="+mn-ea"/>
           <a:cs typeface="+mn-cs"/>
         </a:defRPr>
       </a:lvl2pPr>
-      <a:lvl3pPr marL="616744" indent="-171450" algn="l" rtl="0" eaLnBrk="0" fontAlgn="base" hangingPunct="0">
+      <a:lvl3pPr marL="462558" indent="-128588" algn="l" rtl="0" eaLnBrk="1" fontAlgn="base" hangingPunct="1">
         <a:spcBef>
-          <a:spcPts val="375"/>
+          <a:spcPts val="281"/>
         </a:spcBef>
         <a:spcAft>
           <a:spcPct val="0"/>
         </a:spcAft>
         <a:buClr>
-          <a:srgbClr val="BCBCBC"/>
+          <a:srgbClr val="000000"/>
         </a:buClr>
         <a:buSzPct val="76000"/>
         <a:buFont typeface="Wingdings 3" panose="05040102010807070707" pitchFamily="18" charset="2"/>
         <a:buChar char=""/>
-        <a:defRPr sz="2800" kern="1200">
+        <a:defRPr sz="2400" kern="1200" baseline="0">
           <a:solidFill>
-            <a:schemeClr val="tx1"/>
+            <a:schemeClr val="accent1"/>
           </a:solidFill>
-          <a:latin typeface="华文楷体" panose="02010600040101010101" pitchFamily="2" charset="-122"/>
-          <a:ea typeface="华文楷体" panose="02010600040101010101" pitchFamily="2" charset="-122"/>
+          <a:latin typeface="+mn-lt"/>
+          <a:ea typeface="+mn-ea"/>
           <a:cs typeface="+mn-cs"/>
         </a:defRPr>
       </a:lvl3pPr>
-      <a:lvl4pPr marL="822722" indent="-171450" algn="l" rtl="0" eaLnBrk="0" fontAlgn="base" hangingPunct="0">
+      <a:lvl4pPr marL="617042" indent="-128588" algn="l" rtl="0" eaLnBrk="1" fontAlgn="base" hangingPunct="1">
         <a:spcBef>
-          <a:spcPts val="300"/>
+          <a:spcPts val="225"/>
         </a:spcBef>
         <a:spcAft>
           <a:spcPct val="0"/>
@@ -3161,18 +3432,18 @@
         <a:buSzPct val="70000"/>
         <a:buFont typeface="Wingdings" panose="05000000000000000000" pitchFamily="2" charset="2"/>
         <a:buChar char=""/>
-        <a:defRPr sz="2000" kern="1200">
+        <a:defRPr sz="2000" kern="1200" baseline="0">
           <a:solidFill>
             <a:schemeClr val="tx1"/>
           </a:solidFill>
-          <a:latin typeface="华文楷体" panose="02010600040101010101" pitchFamily="2" charset="-122"/>
-          <a:ea typeface="华文楷体" panose="02010600040101010101" pitchFamily="2" charset="-122"/>
+          <a:latin typeface="+mn-lt"/>
+          <a:ea typeface="+mn-ea"/>
           <a:cs typeface="+mn-cs"/>
         </a:defRPr>
       </a:lvl4pPr>
-      <a:lvl5pPr marL="1028700" indent="-171450" algn="l" rtl="0" eaLnBrk="0" fontAlgn="base" hangingPunct="0">
+      <a:lvl5pPr marL="771525" indent="-128588" algn="l" rtl="0" eaLnBrk="1" fontAlgn="base" hangingPunct="1">
         <a:spcBef>
-          <a:spcPts val="225"/>
+          <a:spcPts val="169"/>
         </a:spcBef>
         <a:spcAft>
           <a:spcPct val="0"/>
@@ -3183,18 +3454,18 @@
         <a:buSzPct val="70000"/>
         <a:buFont typeface="Wingdings" panose="05000000000000000000" pitchFamily="2" charset="2"/>
         <a:buChar char=""/>
-        <a:defRPr sz="1800" kern="1200">
+        <a:defRPr sz="1350" kern="1200" baseline="0">
           <a:solidFill>
             <a:schemeClr val="tx1"/>
           </a:solidFill>
-          <a:latin typeface="华文楷体" panose="02010600040101010101" pitchFamily="2" charset="-122"/>
-          <a:ea typeface="华文楷体" panose="02010600040101010101" pitchFamily="2" charset="-122"/>
+          <a:latin typeface="+mn-ea"/>
+          <a:ea typeface="+mn-ea"/>
           <a:cs typeface="+mn-cs"/>
         </a:defRPr>
       </a:lvl5pPr>
-      <a:lvl6pPr marL="1234440" indent="-137160" algn="l" rtl="0" eaLnBrk="1" latinLnBrk="0" hangingPunct="1">
+      <a:lvl6pPr marL="925830" indent="-102870" algn="l" rtl="0" eaLnBrk="1" latinLnBrk="0" hangingPunct="1">
         <a:spcBef>
-          <a:spcPts val="225"/>
+          <a:spcPts val="169"/>
         </a:spcBef>
         <a:buClr>
           <a:srgbClr val="9FB8CD">
@@ -3204,7 +3475,7 @@
         <a:buSzPct val="75000"/>
         <a:buFont typeface="Wingdings 3"/>
         <a:buChar char=""/>
-        <a:defRPr kumimoji="0" lang="en-US" sz="1200" kern="1200" smtClean="0">
+        <a:defRPr kumimoji="0" lang="en-US" sz="900" kern="1200" smtClean="0">
           <a:solidFill>
             <a:schemeClr val="tx1"/>
           </a:solidFill>
@@ -3213,9 +3484,9 @@
           <a:cs typeface="+mn-cs"/>
         </a:defRPr>
       </a:lvl6pPr>
-      <a:lvl7pPr marL="1371600" indent="-137160" algn="l" rtl="0" eaLnBrk="1" latinLnBrk="0" hangingPunct="1">
+      <a:lvl7pPr marL="1028700" indent="-102870" algn="l" rtl="0" eaLnBrk="1" latinLnBrk="0" hangingPunct="1">
         <a:spcBef>
-          <a:spcPts val="225"/>
+          <a:spcPts val="169"/>
         </a:spcBef>
         <a:buClr>
           <a:srgbClr val="727CA3">
@@ -3225,7 +3496,7 @@
         <a:buSzPct val="75000"/>
         <a:buFont typeface="Wingdings 3"/>
         <a:buChar char=""/>
-        <a:defRPr kumimoji="0" lang="en-US" sz="1050" kern="1200" smtClean="0">
+        <a:defRPr kumimoji="0" lang="en-US" sz="788" kern="1200" smtClean="0">
           <a:solidFill>
             <a:schemeClr val="tx1"/>
           </a:solidFill>
@@ -3234,9 +3505,9 @@
           <a:cs typeface="+mn-cs"/>
         </a:defRPr>
       </a:lvl7pPr>
-      <a:lvl8pPr marL="1508760" indent="-137160" algn="l" rtl="0" eaLnBrk="1" latinLnBrk="0" hangingPunct="1">
+      <a:lvl8pPr marL="1131570" indent="-102870" algn="l" rtl="0" eaLnBrk="1" latinLnBrk="0" hangingPunct="1">
         <a:spcBef>
-          <a:spcPts val="225"/>
+          <a:spcPts val="169"/>
         </a:spcBef>
         <a:buClr>
           <a:prstClr val="white">
@@ -3246,7 +3517,7 @@
         <a:buSzPct val="75000"/>
         <a:buFont typeface="Wingdings 3"/>
         <a:buChar char=""/>
-        <a:defRPr kumimoji="0" lang="en-US" sz="1050" kern="1200" smtClean="0">
+        <a:defRPr kumimoji="0" lang="en-US" sz="788" kern="1200" smtClean="0">
           <a:solidFill>
             <a:schemeClr val="tx1"/>
           </a:solidFill>
@@ -3255,9 +3526,9 @@
           <a:cs typeface="+mn-cs"/>
         </a:defRPr>
       </a:lvl8pPr>
-      <a:lvl9pPr marL="1645920" indent="-137160" algn="l" rtl="0" eaLnBrk="1" latinLnBrk="0" hangingPunct="1">
+      <a:lvl9pPr marL="1234440" indent="-102870" algn="l" rtl="0" eaLnBrk="1" latinLnBrk="0" hangingPunct="1">
         <a:spcBef>
-          <a:spcPts val="225"/>
+          <a:spcPts val="169"/>
         </a:spcBef>
         <a:buClr>
           <a:srgbClr val="9FB8CD"/>
@@ -3265,7 +3536,7 @@
         <a:buSzPct val="75000"/>
         <a:buFont typeface="Wingdings 3"/>
         <a:buChar char=""/>
-        <a:defRPr kumimoji="0" lang="en-US" sz="900" kern="1200" smtClean="0">
+        <a:defRPr kumimoji="0" lang="en-US" sz="675" kern="1200" smtClean="0">
           <a:solidFill>
             <a:schemeClr val="tx1"/>
           </a:solidFill>
@@ -3286,7 +3557,7 @@
           <a:cs typeface="+mn-cs"/>
         </a:defRPr>
       </a:lvl1pPr>
-      <a:lvl2pPr marL="342900" algn="l" rtl="0" eaLnBrk="1" latinLnBrk="0" hangingPunct="1">
+      <a:lvl2pPr marL="257175" algn="l" rtl="0" eaLnBrk="1" latinLnBrk="0" hangingPunct="1">
         <a:defRPr kumimoji="0" kern="1200">
           <a:solidFill>
             <a:schemeClr val="tx1"/>
@@ -3296,7 +3567,7 @@
           <a:cs typeface="+mn-cs"/>
         </a:defRPr>
       </a:lvl2pPr>
-      <a:lvl3pPr marL="685800" algn="l" rtl="0" eaLnBrk="1" latinLnBrk="0" hangingPunct="1">
+      <a:lvl3pPr marL="514350" algn="l" rtl="0" eaLnBrk="1" latinLnBrk="0" hangingPunct="1">
         <a:defRPr kumimoji="0" kern="1200">
           <a:solidFill>
             <a:schemeClr val="tx1"/>
@@ -3306,7 +3577,7 @@
           <a:cs typeface="+mn-cs"/>
         </a:defRPr>
       </a:lvl3pPr>
-      <a:lvl4pPr marL="1028700" algn="l" rtl="0" eaLnBrk="1" latinLnBrk="0" hangingPunct="1">
+      <a:lvl4pPr marL="771525" algn="l" rtl="0" eaLnBrk="1" latinLnBrk="0" hangingPunct="1">
         <a:defRPr kumimoji="0" kern="1200">
           <a:solidFill>
             <a:schemeClr val="tx1"/>
@@ -3316,7 +3587,7 @@
           <a:cs typeface="+mn-cs"/>
         </a:defRPr>
       </a:lvl4pPr>
-      <a:lvl5pPr marL="1371600" algn="l" rtl="0" eaLnBrk="1" latinLnBrk="0" hangingPunct="1">
+      <a:lvl5pPr marL="1028700" algn="l" rtl="0" eaLnBrk="1" latinLnBrk="0" hangingPunct="1">
         <a:defRPr kumimoji="0" kern="1200">
           <a:solidFill>
             <a:schemeClr val="tx1"/>
@@ -3326,7 +3597,7 @@
           <a:cs typeface="+mn-cs"/>
         </a:defRPr>
       </a:lvl5pPr>
-      <a:lvl6pPr marL="1714500" algn="l" rtl="0" eaLnBrk="1" latinLnBrk="0" hangingPunct="1">
+      <a:lvl6pPr marL="1285875" algn="l" rtl="0" eaLnBrk="1" latinLnBrk="0" hangingPunct="1">
         <a:defRPr kumimoji="0" kern="1200">
           <a:solidFill>
             <a:schemeClr val="tx1"/>
@@ -3336,7 +3607,7 @@
           <a:cs typeface="+mn-cs"/>
         </a:defRPr>
       </a:lvl6pPr>
-      <a:lvl7pPr marL="2057400" algn="l" rtl="0" eaLnBrk="1" latinLnBrk="0" hangingPunct="1">
+      <a:lvl7pPr marL="1543050" algn="l" rtl="0" eaLnBrk="1" latinLnBrk="0" hangingPunct="1">
         <a:defRPr kumimoji="0" kern="1200">
           <a:solidFill>
             <a:schemeClr val="tx1"/>
@@ -3346,7 +3617,7 @@
           <a:cs typeface="+mn-cs"/>
         </a:defRPr>
       </a:lvl7pPr>
-      <a:lvl8pPr marL="2400300" algn="l" rtl="0" eaLnBrk="1" latinLnBrk="0" hangingPunct="1">
+      <a:lvl8pPr marL="1800225" algn="l" rtl="0" eaLnBrk="1" latinLnBrk="0" hangingPunct="1">
         <a:defRPr kumimoji="0" kern="1200">
           <a:solidFill>
             <a:schemeClr val="tx1"/>
@@ -3356,7 +3627,7 @@
           <a:cs typeface="+mn-cs"/>
         </a:defRPr>
       </a:lvl8pPr>
-      <a:lvl9pPr marL="2743200" algn="l" rtl="0" eaLnBrk="1" latinLnBrk="0" hangingPunct="1">
+      <a:lvl9pPr marL="2057400" algn="l" rtl="0" eaLnBrk="1" latinLnBrk="0" hangingPunct="1">
         <a:defRPr kumimoji="0" kern="1200">
           <a:solidFill>
             <a:schemeClr val="tx1"/>
@@ -3596,96 +3867,6 @@
           <a:chExt cx="0" cy="0"/>
         </a:xfrm>
       </p:grpSpPr>
-      <p:sp>
-        <p:nvSpPr>
-          <p:cNvPr id="6" name="内容占位符 5"/>
-          <p:cNvSpPr>
-            <a:spLocks noGrp="1"/>
-          </p:cNvSpPr>
-          <p:nvPr>
-            <p:ph sz="quarter" idx="4294967295"/>
-          </p:nvPr>
-        </p:nvSpPr>
-        <p:spPr>
-          <a:xfrm>
-            <a:off x="2133600" y="2362201"/>
-            <a:ext cx="7772400" cy="3603551"/>
-          </a:xfrm>
-          <a:prstGeom prst="rect">
-            <a:avLst/>
-          </a:prstGeom>
-        </p:spPr>
-        <p:txBody>
-          <a:bodyPr wrap="square">
-            <a:spAutoFit/>
-          </a:bodyPr>
-          <a:lstStyle/>
-          <a:p>
-            <a:pPr marL="0" indent="0">
-              <a:buNone/>
-            </a:pPr>
-            <a:r>
-              <a:rPr lang="en-US" altLang="zh-CN" sz="2800" dirty="0"/>
-              <a:t>Multitask Learning is an approach to </a:t>
-            </a:r>
-            <a:r>
-              <a:rPr lang="en-US" altLang="zh-CN" sz="2800" dirty="0">
-                <a:solidFill>
-                  <a:srgbClr val="FF0000"/>
-                </a:solidFill>
-              </a:rPr>
-              <a:t>inductive transfer </a:t>
-            </a:r>
-            <a:r>
-              <a:rPr lang="en-US" altLang="zh-CN" sz="2800" dirty="0"/>
-              <a:t>that improves </a:t>
-            </a:r>
-            <a:r>
-              <a:rPr lang="en-US" altLang="zh-CN" sz="2800" dirty="0">
-                <a:solidFill>
-                  <a:srgbClr val="FF0000"/>
-                </a:solidFill>
-              </a:rPr>
-              <a:t>generalization</a:t>
-            </a:r>
-            <a:r>
-              <a:rPr lang="en-US" altLang="zh-CN" sz="2800" dirty="0"/>
-              <a:t> by using the domain information contained in the training signals of related tasks as an </a:t>
-            </a:r>
-            <a:r>
-              <a:rPr lang="en-US" altLang="zh-CN" sz="2800" dirty="0">
-                <a:solidFill>
-                  <a:srgbClr val="FF0000"/>
-                </a:solidFill>
-              </a:rPr>
-              <a:t>inductive bias</a:t>
-            </a:r>
-            <a:r>
-              <a:rPr lang="en-US" altLang="zh-CN" sz="2800" dirty="0"/>
-              <a:t>. It does this by learning tasks in parallel while using a </a:t>
-            </a:r>
-            <a:r>
-              <a:rPr lang="en-US" altLang="zh-CN" sz="2800" dirty="0">
-                <a:solidFill>
-                  <a:srgbClr val="FF0000"/>
-                </a:solidFill>
-              </a:rPr>
-              <a:t>shared representation</a:t>
-            </a:r>
-            <a:r>
-              <a:rPr lang="en-US" altLang="zh-CN" sz="2800" dirty="0"/>
-              <a:t>; what is learned for each task can help other tasks be learned better.</a:t>
-            </a:r>
-            <a:endParaRPr lang="zh-CN" altLang="en-US" sz="2800" dirty="0"/>
-          </a:p>
-          <a:p>
-            <a:pPr marL="0" indent="0">
-              <a:buNone/>
-            </a:pPr>
-            <a:endParaRPr lang="zh-CN" altLang="en-US" sz="2800" dirty="0"/>
-          </a:p>
-        </p:txBody>
-      </p:sp>
       <p:pic>
         <p:nvPicPr>
           <p:cNvPr id="7" name="图片 6" descr="屏幕剪辑"/>
@@ -3743,6 +3924,321 @@
               <a:t>Machine Learning 1997</a:t>
             </a:r>
             <a:endParaRPr lang="zh-CN" altLang="en-US" dirty="0"/>
+          </a:p>
+        </p:txBody>
+      </p:sp>
+      <p:sp>
+        <p:nvSpPr>
+          <p:cNvPr id="9" name="内容占位符 5">
+            <a:extLst>
+              <a:ext uri="{FF2B5EF4-FFF2-40B4-BE49-F238E27FC236}">
+                <a16:creationId xmlns:a16="http://schemas.microsoft.com/office/drawing/2014/main" id="{12BE8CC3-28C0-4260-A1DE-5B9BE430E14C}"/>
+              </a:ext>
+            </a:extLst>
+          </p:cNvPr>
+          <p:cNvSpPr txBox="1">
+            <a:spLocks/>
+          </p:cNvSpPr>
+          <p:nvPr/>
+        </p:nvSpPr>
+        <p:spPr bwMode="auto">
+          <a:xfrm>
+            <a:off x="1668688" y="2438400"/>
+            <a:ext cx="7772400" cy="3603625"/>
+          </a:xfrm>
+          <a:prstGeom prst="rect">
+            <a:avLst/>
+          </a:prstGeom>
+          <a:noFill/>
+          <a:ln>
+            <a:noFill/>
+          </a:ln>
+          <a:extLst>
+            <a:ext uri="{909E8E84-426E-40DD-AFC4-6F175D3DCCD1}">
+              <a14:hiddenFill xmlns:a14="http://schemas.microsoft.com/office/drawing/2010/main">
+                <a:solidFill>
+                  <a:srgbClr val="FFFFFF"/>
+                </a:solidFill>
+              </a14:hiddenFill>
+            </a:ext>
+            <a:ext uri="{91240B29-F687-4F45-9708-019B960494DF}">
+              <a14:hiddenLine xmlns:a14="http://schemas.microsoft.com/office/drawing/2010/main" w="9525">
+                <a:solidFill>
+                  <a:srgbClr val="000000"/>
+                </a:solidFill>
+                <a:miter lim="800000"/>
+                <a:headEnd/>
+                <a:tailEnd/>
+              </a14:hiddenLine>
+            </a:ext>
+          </a:extLst>
+        </p:spPr>
+        <p:txBody>
+          <a:bodyPr vert="horz" wrap="square" lIns="91440" tIns="45720" rIns="91440" bIns="45720" numCol="1" anchor="t" anchorCtr="0" compatLnSpc="1">
+            <a:prstTxWarp prst="textNoShape">
+              <a:avLst/>
+            </a:prstTxWarp>
+            <a:spAutoFit/>
+          </a:bodyPr>
+          <a:lstStyle>
+            <a:lvl1pPr marL="153591" indent="-153591" algn="l" rtl="0" eaLnBrk="1" fontAlgn="base" hangingPunct="1">
+              <a:spcBef>
+                <a:spcPts val="338"/>
+              </a:spcBef>
+              <a:spcAft>
+                <a:spcPct val="0"/>
+              </a:spcAft>
+              <a:buClr>
+                <a:srgbClr val="000000"/>
+              </a:buClr>
+              <a:buSzPct val="76000"/>
+              <a:buFont typeface="Wingdings 3" panose="05040102010807070707" pitchFamily="18" charset="2"/>
+              <a:buChar char=""/>
+              <a:defRPr lang="en-US" altLang="zh-CN" sz="3200" kern="1200" baseline="0" dirty="0" smtClean="0">
+                <a:solidFill>
+                  <a:srgbClr val="C00000"/>
+                </a:solidFill>
+                <a:latin typeface="+mn-lt"/>
+                <a:ea typeface="+mn-ea"/>
+                <a:cs typeface="Arial" panose="020B0604020202020204" pitchFamily="34" charset="0"/>
+              </a:defRPr>
+            </a:lvl1pPr>
+            <a:lvl2pPr marL="308075" indent="-153591" algn="l" rtl="0" eaLnBrk="1" fontAlgn="base" hangingPunct="1">
+              <a:spcBef>
+                <a:spcPts val="281"/>
+              </a:spcBef>
+              <a:spcAft>
+                <a:spcPct val="0"/>
+              </a:spcAft>
+              <a:buClr>
+                <a:srgbClr val="000000"/>
+              </a:buClr>
+              <a:buSzPct val="76000"/>
+              <a:buFont typeface="Wingdings 3" panose="05040102010807070707" pitchFamily="18" charset="2"/>
+              <a:buChar char=""/>
+              <a:defRPr sz="2800" kern="1200" baseline="0">
+                <a:solidFill>
+                  <a:srgbClr val="000000"/>
+                </a:solidFill>
+                <a:latin typeface="+mn-lt"/>
+                <a:ea typeface="+mn-ea"/>
+                <a:cs typeface="+mn-cs"/>
+              </a:defRPr>
+            </a:lvl2pPr>
+            <a:lvl3pPr marL="462558" indent="-128588" algn="l" rtl="0" eaLnBrk="1" fontAlgn="base" hangingPunct="1">
+              <a:spcBef>
+                <a:spcPts val="281"/>
+              </a:spcBef>
+              <a:spcAft>
+                <a:spcPct val="0"/>
+              </a:spcAft>
+              <a:buClr>
+                <a:srgbClr val="000000"/>
+              </a:buClr>
+              <a:buSzPct val="76000"/>
+              <a:buFont typeface="Wingdings 3" panose="05040102010807070707" pitchFamily="18" charset="2"/>
+              <a:buChar char=""/>
+              <a:defRPr sz="2400" kern="1200" baseline="0">
+                <a:solidFill>
+                  <a:schemeClr val="accent1"/>
+                </a:solidFill>
+                <a:latin typeface="+mn-lt"/>
+                <a:ea typeface="+mn-ea"/>
+                <a:cs typeface="+mn-cs"/>
+              </a:defRPr>
+            </a:lvl3pPr>
+            <a:lvl4pPr marL="617042" indent="-128588" algn="l" rtl="0" eaLnBrk="1" fontAlgn="base" hangingPunct="1">
+              <a:spcBef>
+                <a:spcPts val="225"/>
+              </a:spcBef>
+              <a:spcAft>
+                <a:spcPct val="0"/>
+              </a:spcAft>
+              <a:buClr>
+                <a:srgbClr val="CF5716"/>
+              </a:buClr>
+              <a:buSzPct val="70000"/>
+              <a:buFont typeface="Wingdings" panose="05000000000000000000" pitchFamily="2" charset="2"/>
+              <a:buChar char=""/>
+              <a:defRPr sz="2000" kern="1200" baseline="0">
+                <a:solidFill>
+                  <a:schemeClr val="tx1"/>
+                </a:solidFill>
+                <a:latin typeface="+mn-lt"/>
+                <a:ea typeface="+mn-ea"/>
+                <a:cs typeface="+mn-cs"/>
+              </a:defRPr>
+            </a:lvl4pPr>
+            <a:lvl5pPr marL="771525" indent="-128588" algn="l" rtl="0" eaLnBrk="1" fontAlgn="base" hangingPunct="1">
+              <a:spcBef>
+                <a:spcPts val="169"/>
+              </a:spcBef>
+              <a:spcAft>
+                <a:spcPct val="0"/>
+              </a:spcAft>
+              <a:buClr>
+                <a:schemeClr val="accent2"/>
+              </a:buClr>
+              <a:buSzPct val="70000"/>
+              <a:buFont typeface="Wingdings" panose="05000000000000000000" pitchFamily="2" charset="2"/>
+              <a:buChar char=""/>
+              <a:defRPr sz="1350" kern="1200" baseline="0">
+                <a:solidFill>
+                  <a:schemeClr val="tx1"/>
+                </a:solidFill>
+                <a:latin typeface="+mn-ea"/>
+                <a:ea typeface="+mn-ea"/>
+                <a:cs typeface="+mn-cs"/>
+              </a:defRPr>
+            </a:lvl5pPr>
+            <a:lvl6pPr marL="925830" indent="-102870" algn="l" rtl="0" eaLnBrk="1" latinLnBrk="0" hangingPunct="1">
+              <a:spcBef>
+                <a:spcPts val="169"/>
+              </a:spcBef>
+              <a:buClr>
+                <a:srgbClr val="9FB8CD">
+                  <a:shade val="75000"/>
+                </a:srgbClr>
+              </a:buClr>
+              <a:buSzPct val="75000"/>
+              <a:buFont typeface="Wingdings 3"/>
+              <a:buChar char=""/>
+              <a:defRPr kumimoji="0" lang="en-US" sz="900" kern="1200" smtClean="0">
+                <a:solidFill>
+                  <a:schemeClr val="tx1"/>
+                </a:solidFill>
+                <a:latin typeface="+mn-lt"/>
+                <a:ea typeface="+mn-ea"/>
+                <a:cs typeface="+mn-cs"/>
+              </a:defRPr>
+            </a:lvl6pPr>
+            <a:lvl7pPr marL="1028700" indent="-102870" algn="l" rtl="0" eaLnBrk="1" latinLnBrk="0" hangingPunct="1">
+              <a:spcBef>
+                <a:spcPts val="169"/>
+              </a:spcBef>
+              <a:buClr>
+                <a:srgbClr val="727CA3">
+                  <a:shade val="75000"/>
+                </a:srgbClr>
+              </a:buClr>
+              <a:buSzPct val="75000"/>
+              <a:buFont typeface="Wingdings 3"/>
+              <a:buChar char=""/>
+              <a:defRPr kumimoji="0" lang="en-US" sz="788" kern="1200" smtClean="0">
+                <a:solidFill>
+                  <a:schemeClr val="tx1"/>
+                </a:solidFill>
+                <a:latin typeface="+mn-lt"/>
+                <a:ea typeface="+mn-ea"/>
+                <a:cs typeface="+mn-cs"/>
+              </a:defRPr>
+            </a:lvl7pPr>
+            <a:lvl8pPr marL="1131570" indent="-102870" algn="l" rtl="0" eaLnBrk="1" latinLnBrk="0" hangingPunct="1">
+              <a:spcBef>
+                <a:spcPts val="169"/>
+              </a:spcBef>
+              <a:buClr>
+                <a:prstClr val="white">
+                  <a:shade val="50000"/>
+                </a:prstClr>
+              </a:buClr>
+              <a:buSzPct val="75000"/>
+              <a:buFont typeface="Wingdings 3"/>
+              <a:buChar char=""/>
+              <a:defRPr kumimoji="0" lang="en-US" sz="788" kern="1200" smtClean="0">
+                <a:solidFill>
+                  <a:schemeClr val="tx1"/>
+                </a:solidFill>
+                <a:latin typeface="+mn-lt"/>
+                <a:ea typeface="+mn-ea"/>
+                <a:cs typeface="+mn-cs"/>
+              </a:defRPr>
+            </a:lvl8pPr>
+            <a:lvl9pPr marL="1234440" indent="-102870" algn="l" rtl="0" eaLnBrk="1" latinLnBrk="0" hangingPunct="1">
+              <a:spcBef>
+                <a:spcPts val="169"/>
+              </a:spcBef>
+              <a:buClr>
+                <a:srgbClr val="9FB8CD"/>
+              </a:buClr>
+              <a:buSzPct val="75000"/>
+              <a:buFont typeface="Wingdings 3"/>
+              <a:buChar char=""/>
+              <a:defRPr kumimoji="0" lang="en-US" sz="675" kern="1200" smtClean="0">
+                <a:solidFill>
+                  <a:schemeClr val="tx1"/>
+                </a:solidFill>
+                <a:latin typeface="+mn-lt"/>
+                <a:ea typeface="+mn-ea"/>
+                <a:cs typeface="+mn-cs"/>
+              </a:defRPr>
+            </a:lvl9pPr>
+          </a:lstStyle>
+          <a:p>
+            <a:pPr marL="0" indent="0">
+              <a:buFont typeface="Wingdings 3" panose="05040102010807070707" pitchFamily="18" charset="2"/>
+              <a:buNone/>
+            </a:pPr>
+            <a:r>
+              <a:rPr lang="en-US" sz="2800"/>
+              <a:t>Multitask Learning is an approach to </a:t>
+            </a:r>
+            <a:r>
+              <a:rPr lang="en-US" sz="2800">
+                <a:solidFill>
+                  <a:srgbClr val="FF0000"/>
+                </a:solidFill>
+              </a:rPr>
+              <a:t>inductive transfer </a:t>
+            </a:r>
+            <a:r>
+              <a:rPr lang="en-US" sz="2800"/>
+              <a:t>that improves </a:t>
+            </a:r>
+            <a:r>
+              <a:rPr lang="en-US" sz="2800">
+                <a:solidFill>
+                  <a:srgbClr val="FF0000"/>
+                </a:solidFill>
+              </a:rPr>
+              <a:t>generalization</a:t>
+            </a:r>
+            <a:r>
+              <a:rPr lang="en-US" sz="2800"/>
+              <a:t> by using the domain information contained in the training signals of related tasks as an </a:t>
+            </a:r>
+            <a:r>
+              <a:rPr lang="en-US" sz="2800">
+                <a:solidFill>
+                  <a:srgbClr val="FF0000"/>
+                </a:solidFill>
+              </a:rPr>
+              <a:t>inductive bias</a:t>
+            </a:r>
+            <a:r>
+              <a:rPr lang="en-US" sz="2800"/>
+              <a:t>. It does this by learning tasks in parallel while using a </a:t>
+            </a:r>
+            <a:r>
+              <a:rPr lang="en-US" sz="2800">
+                <a:solidFill>
+                  <a:srgbClr val="FF0000"/>
+                </a:solidFill>
+              </a:rPr>
+              <a:t>shared representation</a:t>
+            </a:r>
+            <a:r>
+              <a:rPr lang="en-US" sz="2800"/>
+              <a:t>; what is learned for each task can help other tasks be learned better.</a:t>
+            </a:r>
+            <a:endParaRPr lang="en-US" altLang="zh-CN" sz="2800"/>
+          </a:p>
+          <a:p>
+            <a:pPr marL="0" indent="0">
+              <a:buFont typeface="Wingdings 3" panose="05040102010807070707" pitchFamily="18" charset="2"/>
+              <a:buNone/>
+            </a:pPr>
+            <a:endParaRPr lang="en-US" altLang="zh-CN" sz="2800"/>
           </a:p>
         </p:txBody>
       </p:sp>
@@ -4206,7 +4702,7 @@
         </p:nvSpPr>
         <p:spPr>
           <a:xfrm>
-            <a:off x="4876800" y="4038600"/>
+            <a:off x="4495800" y="4038600"/>
             <a:ext cx="2313454" cy="369332"/>
           </a:xfrm>
           <a:prstGeom prst="rect">
@@ -4223,6 +4719,47 @@
               <a:rPr lang="zh-CN" altLang="en-US" dirty="0"/>
               <a:t>https://nndl.github.io/</a:t>
             </a:r>
+          </a:p>
+        </p:txBody>
+      </p:sp>
+      <p:sp>
+        <p:nvSpPr>
+          <p:cNvPr id="3" name="Rectangle 3">
+            <a:extLst>
+              <a:ext uri="{FF2B5EF4-FFF2-40B4-BE49-F238E27FC236}">
+                <a16:creationId xmlns:a16="http://schemas.microsoft.com/office/drawing/2014/main" id="{65F00DDA-B7B7-4934-9E9C-B0B883A4FE65}"/>
+              </a:ext>
+            </a:extLst>
+          </p:cNvPr>
+          <p:cNvSpPr/>
+          <p:nvPr/>
+        </p:nvSpPr>
+        <p:spPr>
+          <a:xfrm>
+            <a:off x="4876800" y="3048003"/>
+            <a:ext cx="3048000" cy="646331"/>
+          </a:xfrm>
+          <a:prstGeom prst="rect">
+            <a:avLst/>
+          </a:prstGeom>
+        </p:spPr>
+        <p:txBody>
+          <a:bodyPr wrap="square">
+            <a:spAutoFit/>
+          </a:bodyPr>
+          <a:lstStyle/>
+          <a:p>
+            <a:r>
+              <a:rPr lang="zh-CN" altLang="en-US" sz="3600" dirty="0">
+                <a:latin typeface="华文楷体" panose="02010600040101010101" pitchFamily="2" charset="-122"/>
+                <a:ea typeface="华文楷体" panose="02010600040101010101" pitchFamily="2" charset="-122"/>
+              </a:rPr>
+              <a:t>谢  谢</a:t>
+            </a:r>
+            <a:endParaRPr lang="en-US" altLang="zh-CN" sz="3600" dirty="0">
+              <a:latin typeface="华文楷体" panose="02010600040101010101" pitchFamily="2" charset="-122"/>
+              <a:ea typeface="华文楷体" panose="02010600040101010101" pitchFamily="2" charset="-122"/>
+            </a:endParaRPr>
           </a:p>
         </p:txBody>
       </p:sp>
@@ -4278,9 +4815,10 @@
           <a:lstStyle/>
           <a:p>
             <a:r>
-              <a:rPr lang="zh-CN" altLang="en-US" dirty="0"/>
+              <a:rPr lang="zh-CN" altLang="en-US"/>
               <a:t>模型独立的学习方式</a:t>
             </a:r>
+            <a:endParaRPr lang="zh-CN" altLang="en-US" dirty="0"/>
           </a:p>
         </p:txBody>
       </p:sp>
@@ -4297,7 +4835,7 @@
             <a:spLocks noGrp="1"/>
           </p:cNvSpPr>
           <p:nvPr>
-            <p:ph sz="quarter" idx="1"/>
+            <p:ph idx="1"/>
           </p:nvPr>
         </p:nvSpPr>
         <p:spPr/>
@@ -4306,35 +4844,36 @@
           <a:lstStyle/>
           <a:p>
             <a:r>
-              <a:rPr lang="zh-CN" altLang="en-US" dirty="0"/>
+              <a:rPr lang="zh-CN" altLang="en-US"/>
               <a:t>这些学习方式不限于具体的模型</a:t>
             </a:r>
-            <a:endParaRPr lang="en-US" altLang="zh-CN" dirty="0"/>
+            <a:endParaRPr lang="en-US" altLang="zh-CN"/>
           </a:p>
           <a:p>
             <a:pPr lvl="1"/>
             <a:r>
-              <a:rPr lang="zh-CN" altLang="en-US" dirty="0"/>
+              <a:rPr lang="zh-CN" altLang="en-US"/>
               <a:t>前馈神经网络、循环神经网络还是其他模型</a:t>
             </a:r>
-            <a:endParaRPr lang="en-US" altLang="zh-CN" dirty="0"/>
-          </a:p>
-          <a:p>
-            <a:endParaRPr lang="en-US" altLang="zh-CN" dirty="0"/>
-          </a:p>
-          <a:p>
-            <a:r>
-              <a:rPr lang="zh-CN" altLang="en-US" dirty="0"/>
+            <a:endParaRPr lang="en-US" altLang="zh-CN"/>
+          </a:p>
+          <a:p>
+            <a:endParaRPr lang="en-US" altLang="zh-CN"/>
+          </a:p>
+          <a:p>
+            <a:r>
+              <a:rPr lang="zh-CN" altLang="en-US"/>
               <a:t>然而一种学习方式往往会对符合某种特性的模型更加青睐</a:t>
             </a:r>
-            <a:endParaRPr lang="en-US" altLang="zh-CN" dirty="0"/>
+            <a:endParaRPr lang="en-US" altLang="zh-CN"/>
           </a:p>
           <a:p>
             <a:pPr lvl="1"/>
             <a:r>
-              <a:rPr lang="zh-CN" altLang="en-US" dirty="0"/>
+              <a:rPr lang="zh-CN" altLang="en-US"/>
               <a:t>集成学习往往和方差大的模型组合时效果显著。</a:t>
             </a:r>
+            <a:endParaRPr lang="zh-CN" altLang="en-US" dirty="0"/>
           </a:p>
         </p:txBody>
       </p:sp>
@@ -4409,7 +4948,7 @@
             <a:spLocks noGrp="1"/>
           </p:cNvSpPr>
           <p:nvPr>
-            <p:ph sz="quarter" idx="1"/>
+            <p:ph idx="1"/>
           </p:nvPr>
         </p:nvSpPr>
         <p:spPr/>
@@ -4530,7 +5069,7 @@
             <a:spLocks noGrp="1"/>
           </p:cNvSpPr>
           <p:nvPr>
-            <p:ph sz="quarter" idx="1"/>
+            <p:ph idx="1"/>
           </p:nvPr>
         </p:nvSpPr>
         <p:spPr/>
@@ -4652,7 +5191,7 @@
             <a:spLocks noGrp="1"/>
           </p:cNvSpPr>
           <p:nvPr>
-            <p:ph sz="quarter" idx="1"/>
+            <p:ph idx="1"/>
           </p:nvPr>
         </p:nvSpPr>
         <p:spPr/>
@@ -4911,7 +5450,7 @@
             <a:spLocks noGrp="1"/>
           </p:cNvSpPr>
           <p:nvPr>
-            <p:ph sz="quarter" idx="1"/>
+            <p:ph idx="1"/>
           </p:nvPr>
         </p:nvSpPr>
         <p:spPr/>
@@ -5163,17 +5702,18 @@
           <a:lstStyle/>
           <a:p>
             <a:r>
-              <a:rPr lang="zh-CN" altLang="en-US" dirty="0"/>
+              <a:rPr lang="zh-CN" altLang="en-US"/>
               <a:t>协同训练（</a:t>
             </a:r>
             <a:r>
-              <a:rPr lang="en-US" altLang="zh-CN" dirty="0"/>
+              <a:rPr lang="en-US" altLang="zh-CN"/>
               <a:t> Co-Training </a:t>
             </a:r>
             <a:r>
-              <a:rPr lang="zh-CN" altLang="en-US" dirty="0"/>
+              <a:rPr lang="zh-CN" altLang="en-US"/>
               <a:t>）</a:t>
             </a:r>
+            <a:endParaRPr lang="zh-CN" altLang="en-US" dirty="0"/>
           </a:p>
         </p:txBody>
       </p:sp>
@@ -5190,7 +5730,7 @@
             <a:spLocks noGrp="1"/>
           </p:cNvSpPr>
           <p:nvPr>
-            <p:ph sz="quarter" idx="1"/>
+            <p:ph idx="1"/>
           </p:nvPr>
         </p:nvSpPr>
         <p:spPr/>
@@ -5199,7 +5739,7 @@
           <a:lstStyle/>
           <a:p>
             <a:r>
-              <a:rPr lang="en-US" altLang="zh-CN" dirty="0"/>
+              <a:rPr lang="en-US" altLang="zh-CN"/>
               <a:t>Multi-View Learning</a:t>
             </a:r>
             <a:endParaRPr lang="zh-CN" altLang="en-US" dirty="0"/>
@@ -5267,7 +5807,7 @@
 </file>
 
 <file path=ppt/theme/theme1.xml><?xml version="1.0" encoding="utf-8"?>
-<a:theme xmlns:a="http://schemas.openxmlformats.org/drawingml/2006/main" name="Origin">
+<a:theme xmlns:a="http://schemas.openxmlformats.org/drawingml/2006/main" name="my">
   <a:themeElements>
     <a:clrScheme name="qxp">
       <a:dk1>
@@ -5307,19 +5847,19 @@
         <a:srgbClr val="44B9E8"/>
       </a:folHlink>
     </a:clrScheme>
-    <a:fontScheme name="qxp">
+    <a:fontScheme name="myfont">
       <a:majorFont>
         <a:latin typeface="Helvetica"/>
         <a:ea typeface="微软雅黑"/>
         <a:cs typeface=""/>
       </a:majorFont>
       <a:minorFont>
-        <a:latin typeface="Helvetica"/>
+        <a:latin typeface="Times New Roman"/>
         <a:ea typeface="华文楷体"/>
         <a:cs typeface=""/>
       </a:minorFont>
     </a:fontScheme>
-    <a:fmtScheme name="Origin">
+    <a:fmtScheme name="质朴">
       <a:fillStyleLst>
         <a:solidFill>
           <a:schemeClr val="phClr"/>
@@ -5545,6 +6085,11 @@
     </a:spDef>
   </a:objectDefaults>
   <a:extraClrSchemeLst/>
+  <a:extLst>
+    <a:ext uri="{05A4C25C-085E-4340-85A3-A5531E510DB2}">
+      <thm15:themeFamily xmlns:thm15="http://schemas.microsoft.com/office/thememl/2012/main" name="my" id="{5DDFF489-810C-4640-A13F-DDD18827279A}" vid="{1ADADE9B-649E-4437-BF06-95F7A2A146D6}"/>
+    </a:ext>
+  </a:extLst>
 </a:theme>
 </file>
 
